--- a/ai-for-excel-101-slides.pptx
+++ b/ai-for-excel-101-slides.pptx
@@ -15,10 +15,10 @@
     <p:sldId id="364" r:id="rId6"/>
     <p:sldId id="365" r:id="rId7"/>
     <p:sldId id="431" r:id="rId8"/>
-    <p:sldId id="354" r:id="rId9"/>
-    <p:sldId id="428" r:id="rId10"/>
-    <p:sldId id="430" r:id="rId11"/>
-    <p:sldId id="400" r:id="rId12"/>
+    <p:sldId id="432" r:id="rId9"/>
+    <p:sldId id="354" r:id="rId10"/>
+    <p:sldId id="428" r:id="rId11"/>
+    <p:sldId id="430" r:id="rId12"/>
     <p:sldId id="429" r:id="rId13"/>
   </p:sldIdLst>
   <p:sldSz cx="18288000" cy="10287000"/>
@@ -255,7 +255,7 @@
           <a:p>
             <a:fld id="{17A98A70-FA8C-4354-959C-C70678AC9BCF}" type="datetimeFigureOut">
               <a:rPr lang="en-US" smtClean="0"/>
-              <a:t>8/26/2023</a:t>
+              <a:t>8/28/2023</a:t>
             </a:fld>
             <a:endParaRPr lang="en-US"/>
           </a:p>
@@ -994,99 +994,6 @@
           <a:p>
             <a:r>
               <a:rPr lang="en-US" dirty="0"/>
-              <a:t>I’m a data analyst give me data on how I did</a:t>
-            </a:r>
-          </a:p>
-          <a:p>
-            <a:r>
-              <a:rPr lang="en-US" dirty="0"/>
-              <a:t>Testimonials also VERY helpful. </a:t>
-            </a:r>
-          </a:p>
-        </p:txBody>
-      </p:sp>
-      <p:sp>
-        <p:nvSpPr>
-          <p:cNvPr id="4" name="Slide Number Placeholder 3"/>
-          <p:cNvSpPr>
-            <a:spLocks noGrp="1"/>
-          </p:cNvSpPr>
-          <p:nvPr>
-            <p:ph type="sldNum" sz="quarter" idx="5"/>
-          </p:nvPr>
-        </p:nvSpPr>
-        <p:spPr/>
-        <p:txBody>
-          <a:bodyPr/>
-          <a:lstStyle/>
-          <a:p>
-            <a:fld id="{FFB500C5-13F7-48FC-8160-C29AECF6C602}" type="slidenum">
-              <a:rPr lang="en-US" smtClean="0"/>
-              <a:t>11</a:t>
-            </a:fld>
-            <a:endParaRPr lang="en-US"/>
-          </a:p>
-        </p:txBody>
-      </p:sp>
-    </p:spTree>
-    <p:extLst>
-      <p:ext uri="{BB962C8B-B14F-4D97-AF65-F5344CB8AC3E}">
-        <p14:creationId xmlns:p14="http://schemas.microsoft.com/office/powerpoint/2010/main" val="3125451817"/>
-      </p:ext>
-    </p:extLst>
-  </p:cSld>
-  <p:clrMapOvr>
-    <a:masterClrMapping/>
-  </p:clrMapOvr>
-</p:notes>
-</file>
-
-<file path=ppt/notesSlides/notesSlide7.xml><?xml version="1.0" encoding="utf-8"?>
-<p:notes xmlns:a="http://schemas.openxmlformats.org/drawingml/2006/main" xmlns:r="http://schemas.openxmlformats.org/officeDocument/2006/relationships" xmlns:p="http://schemas.openxmlformats.org/presentationml/2006/main">
-  <p:cSld>
-    <p:spTree>
-      <p:nvGrpSpPr>
-        <p:cNvPr id="1" name=""/>
-        <p:cNvGrpSpPr/>
-        <p:nvPr/>
-      </p:nvGrpSpPr>
-      <p:grpSpPr>
-        <a:xfrm>
-          <a:off x="0" y="0"/>
-          <a:ext cx="0" cy="0"/>
-          <a:chOff x="0" y="0"/>
-          <a:chExt cx="0" cy="0"/>
-        </a:xfrm>
-      </p:grpSpPr>
-      <p:sp>
-        <p:nvSpPr>
-          <p:cNvPr id="2" name="Slide Image Placeholder 1"/>
-          <p:cNvSpPr>
-            <a:spLocks noGrp="1" noRot="1" noChangeAspect="1"/>
-          </p:cNvSpPr>
-          <p:nvPr>
-            <p:ph type="sldImg"/>
-          </p:nvPr>
-        </p:nvSpPr>
-        <p:spPr/>
-      </p:sp>
-      <p:sp>
-        <p:nvSpPr>
-          <p:cNvPr id="3" name="Notes Placeholder 2"/>
-          <p:cNvSpPr>
-            <a:spLocks noGrp="1"/>
-          </p:cNvSpPr>
-          <p:nvPr>
-            <p:ph type="body" idx="1"/>
-          </p:nvPr>
-        </p:nvSpPr>
-        <p:spPr/>
-        <p:txBody>
-          <a:bodyPr/>
-          <a:lstStyle/>
-          <a:p>
-            <a:r>
-              <a:rPr lang="en-US" dirty="0"/>
               <a:t>Any questions on descriptive statistics? </a:t>
             </a:r>
           </a:p>
@@ -1308,7 +1215,7 @@
             <a:fld id="{1D8BD707-D9CF-40AE-B4C6-C98DA3205C09}" type="datetimeFigureOut">
               <a:rPr lang="en-US" smtClean="0"/>
               <a:pPr/>
-              <a:t>8/26/2023</a:t>
+              <a:t>8/28/2023</a:t>
             </a:fld>
             <a:endParaRPr lang="en-US"/>
           </a:p>
@@ -1473,7 +1380,7 @@
             <a:fld id="{1D8BD707-D9CF-40AE-B4C6-C98DA3205C09}" type="datetimeFigureOut">
               <a:rPr lang="en-US" smtClean="0"/>
               <a:pPr/>
-              <a:t>8/26/2023</a:t>
+              <a:t>8/28/2023</a:t>
             </a:fld>
             <a:endParaRPr lang="en-US"/>
           </a:p>
@@ -1648,7 +1555,7 @@
             <a:fld id="{1D8BD707-D9CF-40AE-B4C6-C98DA3205C09}" type="datetimeFigureOut">
               <a:rPr lang="en-US" smtClean="0"/>
               <a:pPr/>
-              <a:t>8/26/2023</a:t>
+              <a:t>8/28/2023</a:t>
             </a:fld>
             <a:endParaRPr lang="en-US"/>
           </a:p>
@@ -1813,7 +1720,7 @@
             <a:fld id="{1D8BD707-D9CF-40AE-B4C6-C98DA3205C09}" type="datetimeFigureOut">
               <a:rPr lang="en-US" smtClean="0"/>
               <a:pPr/>
-              <a:t>8/26/2023</a:t>
+              <a:t>8/28/2023</a:t>
             </a:fld>
             <a:endParaRPr lang="en-US"/>
           </a:p>
@@ -2055,7 +1962,7 @@
             <a:fld id="{1D8BD707-D9CF-40AE-B4C6-C98DA3205C09}" type="datetimeFigureOut">
               <a:rPr lang="en-US" smtClean="0"/>
               <a:pPr/>
-              <a:t>8/26/2023</a:t>
+              <a:t>8/28/2023</a:t>
             </a:fld>
             <a:endParaRPr lang="en-US"/>
           </a:p>
@@ -2337,7 +2244,7 @@
             <a:fld id="{1D8BD707-D9CF-40AE-B4C6-C98DA3205C09}" type="datetimeFigureOut">
               <a:rPr lang="en-US" smtClean="0"/>
               <a:pPr/>
-              <a:t>8/26/2023</a:t>
+              <a:t>8/28/2023</a:t>
             </a:fld>
             <a:endParaRPr lang="en-US"/>
           </a:p>
@@ -2753,7 +2660,7 @@
             <a:fld id="{1D8BD707-D9CF-40AE-B4C6-C98DA3205C09}" type="datetimeFigureOut">
               <a:rPr lang="en-US" smtClean="0"/>
               <a:pPr/>
-              <a:t>8/26/2023</a:t>
+              <a:t>8/28/2023</a:t>
             </a:fld>
             <a:endParaRPr lang="en-US"/>
           </a:p>
@@ -2867,7 +2774,7 @@
             <a:fld id="{1D8BD707-D9CF-40AE-B4C6-C98DA3205C09}" type="datetimeFigureOut">
               <a:rPr lang="en-US" smtClean="0"/>
               <a:pPr/>
-              <a:t>8/26/2023</a:t>
+              <a:t>8/28/2023</a:t>
             </a:fld>
             <a:endParaRPr lang="en-US"/>
           </a:p>
@@ -2959,7 +2866,7 @@
             <a:fld id="{1D8BD707-D9CF-40AE-B4C6-C98DA3205C09}" type="datetimeFigureOut">
               <a:rPr lang="en-US" smtClean="0"/>
               <a:pPr/>
-              <a:t>8/26/2023</a:t>
+              <a:t>8/28/2023</a:t>
             </a:fld>
             <a:endParaRPr lang="en-US"/>
           </a:p>
@@ -3231,7 +3138,7 @@
             <a:fld id="{1D8BD707-D9CF-40AE-B4C6-C98DA3205C09}" type="datetimeFigureOut">
               <a:rPr lang="en-US" smtClean="0"/>
               <a:pPr/>
-              <a:t>8/26/2023</a:t>
+              <a:t>8/28/2023</a:t>
             </a:fld>
             <a:endParaRPr lang="en-US"/>
           </a:p>
@@ -3480,7 +3387,7 @@
             <a:fld id="{1D8BD707-D9CF-40AE-B4C6-C98DA3205C09}" type="datetimeFigureOut">
               <a:rPr lang="en-US" smtClean="0"/>
               <a:pPr/>
-              <a:t>8/26/2023</a:t>
+              <a:t>8/28/2023</a:t>
             </a:fld>
             <a:endParaRPr lang="en-US"/>
           </a:p>
@@ -3693,7 +3600,7 @@
             <a:fld id="{1D8BD707-D9CF-40AE-B4C6-C98DA3205C09}" type="datetimeFigureOut">
               <a:rPr lang="en-US" smtClean="0"/>
               <a:pPr/>
-              <a:t>8/26/2023</a:t>
+              <a:t>8/28/2023</a:t>
             </a:fld>
             <a:endParaRPr lang="en-US"/>
           </a:p>
@@ -4239,7 +4146,7 @@
         <p:spPr>
           <a:xfrm>
             <a:off x="260431" y="329879"/>
-            <a:ext cx="9432824" cy="4524315"/>
+            <a:ext cx="9432824" cy="9048631"/>
           </a:xfrm>
           <a:prstGeom prst="rect">
             <a:avLst/>
@@ -4253,29 +4160,14 @@
           <a:lstStyle/>
           <a:p>
             <a:r>
-              <a:rPr lang="en-US" sz="6000" b="1" dirty="0">
+              <a:rPr lang="en-US" sz="6000" b="1" i="1" dirty="0">
                 <a:solidFill>
                   <a:srgbClr val="CF3338"/>
                 </a:solidFill>
                 <a:latin typeface="Pragmatica" panose="020B0403040502020204" pitchFamily="34" charset="0"/>
               </a:rPr>
-              <a:t>Join my </a:t>
-            </a:r>
-            <a:r>
-              <a:rPr lang="en-US" sz="6000" b="1" dirty="0" err="1">
-                <a:solidFill>
-                  <a:srgbClr val="CF3338"/>
-                </a:solidFill>
-                <a:latin typeface="Pragmatica" panose="020B0403040502020204" pitchFamily="34" charset="0"/>
-              </a:rPr>
-              <a:t>Patreon</a:t>
-            </a:r>
-            <a:endParaRPr lang="en-US" sz="6000" b="1" dirty="0">
-              <a:solidFill>
-                <a:srgbClr val="CF3338"/>
-              </a:solidFill>
-              <a:latin typeface="Pragmatica" panose="020B0403040502020204" pitchFamily="34" charset="0"/>
-            </a:endParaRPr>
+              <a:t>Modern Data Analytics in Excel</a:t>
+            </a:r>
           </a:p>
           <a:p>
             <a:endParaRPr lang="en-US" sz="6000" b="1" i="1" dirty="0">
@@ -4286,10 +4178,55 @@
             </a:endParaRPr>
           </a:p>
           <a:p>
-            <a:pPr marL="685800" indent="-685800">
-              <a:buFont typeface="Arial" panose="020B0604020202020204" pitchFamily="34" charset="0"/>
-              <a:buChar char="•"/>
-            </a:pPr>
+            <a:endParaRPr lang="en-US" sz="6000" dirty="0">
+              <a:solidFill>
+                <a:srgbClr val="CF3338"/>
+              </a:solidFill>
+              <a:latin typeface="Pragmatica" panose="020B0403040502020204" pitchFamily="34" charset="0"/>
+            </a:endParaRPr>
+          </a:p>
+          <a:p>
+            <a:endParaRPr lang="en-US" sz="6000" dirty="0">
+              <a:solidFill>
+                <a:srgbClr val="CF3338"/>
+              </a:solidFill>
+              <a:latin typeface="Pragmatica" panose="020B0403040502020204" pitchFamily="34" charset="0"/>
+            </a:endParaRPr>
+          </a:p>
+          <a:p>
+            <a:endParaRPr lang="en-US" sz="6000" dirty="0">
+              <a:solidFill>
+                <a:srgbClr val="CF3338"/>
+              </a:solidFill>
+              <a:latin typeface="Pragmatica" panose="020B0403040502020204" pitchFamily="34" charset="0"/>
+            </a:endParaRPr>
+          </a:p>
+          <a:p>
+            <a:endParaRPr lang="en-US" sz="6000" dirty="0">
+              <a:solidFill>
+                <a:srgbClr val="CF3338"/>
+              </a:solidFill>
+              <a:latin typeface="Pragmatica" panose="020B0403040502020204" pitchFamily="34" charset="0"/>
+            </a:endParaRPr>
+          </a:p>
+          <a:p>
+            <a:endParaRPr lang="en-US" sz="6000" dirty="0">
+              <a:solidFill>
+                <a:srgbClr val="CF3338"/>
+              </a:solidFill>
+              <a:latin typeface="Pragmatica" panose="020B0403040502020204" pitchFamily="34" charset="0"/>
+            </a:endParaRPr>
+          </a:p>
+          <a:p>
+            <a:r>
+              <a:rPr lang="en-US" sz="6000" dirty="0">
+                <a:solidFill>
+                  <a:srgbClr val="CF3338"/>
+                </a:solidFill>
+                <a:latin typeface="Pragmatica" panose="020B0403040502020204" pitchFamily="34" charset="0"/>
+              </a:rPr>
+              <a:t>Available in early release: </a:t>
+            </a:r>
             <a:r>
               <a:rPr lang="en-US" sz="4200" dirty="0">
                 <a:latin typeface="Pragmatica" panose="020B0403040502020204" pitchFamily="34" charset="0"/>
@@ -4301,7 +4238,7 @@
                   </a:extLst>
                 </a:hlinkClick>
               </a:rPr>
-              <a:t>https://social.stringfestanalytics.com/patreon</a:t>
+              <a:t>https://stringfestanalytics.com/maxl/</a:t>
             </a:r>
             <a:r>
               <a:rPr lang="en-US" sz="4200" dirty="0">
@@ -4309,28 +4246,63 @@
               </a:rPr>
               <a:t>  </a:t>
             </a:r>
-          </a:p>
-          <a:p>
-            <a:pPr marL="685800" indent="-685800">
-              <a:buFont typeface="Arial" panose="020B0604020202020204" pitchFamily="34" charset="0"/>
-              <a:buChar char="•"/>
-            </a:pPr>
-            <a:r>
-              <a:rPr lang="en-US" sz="4200" dirty="0">
-                <a:latin typeface="Pragmatica" panose="020B0403040502020204" pitchFamily="34" charset="0"/>
-              </a:rPr>
-              <a:t>Get lifetime access to all past webinar recordings &amp; downloads</a:t>
-            </a:r>
             <a:endParaRPr lang="en-US" sz="6000" dirty="0">
               <a:latin typeface="Pragmatica" panose="020B0403040502020204" pitchFamily="34" charset="0"/>
             </a:endParaRPr>
           </a:p>
         </p:txBody>
       </p:sp>
+      <p:pic>
+        <p:nvPicPr>
+          <p:cNvPr id="1026" name="Picture 2" descr="Modern analytics in Excel cover ">
+            <a:extLst>
+              <a:ext uri="{FF2B5EF4-FFF2-40B4-BE49-F238E27FC236}">
+                <a16:creationId xmlns:a16="http://schemas.microsoft.com/office/drawing/2014/main" id="{A5A802EA-8E14-7D50-3D79-28EFA72A604E}"/>
+              </a:ext>
+            </a:extLst>
+          </p:cNvPr>
+          <p:cNvPicPr>
+            <a:picLocks noChangeAspect="1" noChangeArrowheads="1"/>
+          </p:cNvPicPr>
+          <p:nvPr/>
+        </p:nvPicPr>
+        <p:blipFill>
+          <a:blip r:embed="rId4">
+            <a:extLst>
+              <a:ext uri="{28A0092B-C50C-407E-A947-70E740481C1C}">
+                <a14:useLocalDpi xmlns:a14="http://schemas.microsoft.com/office/drawing/2010/main" val="0"/>
+              </a:ext>
+            </a:extLst>
+          </a:blip>
+          <a:srcRect/>
+          <a:stretch>
+            <a:fillRect/>
+          </a:stretch>
+        </p:blipFill>
+        <p:spPr bwMode="auto">
+          <a:xfrm>
+            <a:off x="10769516" y="923560"/>
+            <a:ext cx="5715000" cy="7500938"/>
+          </a:xfrm>
+          <a:prstGeom prst="rect">
+            <a:avLst/>
+          </a:prstGeom>
+          <a:noFill/>
+          <a:extLst>
+            <a:ext uri="{909E8E84-426E-40DD-AFC4-6F175D3DCCD1}">
+              <a14:hiddenFill xmlns:a14="http://schemas.microsoft.com/office/drawing/2010/main">
+                <a:solidFill>
+                  <a:srgbClr val="FFFFFF"/>
+                </a:solidFill>
+              </a14:hiddenFill>
+            </a:ext>
+          </a:extLst>
+        </p:spPr>
+      </p:pic>
     </p:spTree>
     <p:extLst>
       <p:ext uri="{BB962C8B-B14F-4D97-AF65-F5344CB8AC3E}">
-        <p14:creationId xmlns:p14="http://schemas.microsoft.com/office/powerpoint/2010/main" val="801538824"/>
+        <p14:creationId xmlns:p14="http://schemas.microsoft.com/office/powerpoint/2010/main" val="3588636196"/>
       </p:ext>
     </p:extLst>
   </p:cSld>
@@ -4357,204 +4329,182 @@
           <a:chExt cx="0" cy="0"/>
         </a:xfrm>
       </p:grpSpPr>
+      <p:sp>
+        <p:nvSpPr>
+          <p:cNvPr id="4" name="Rectangle 3"/>
+          <p:cNvSpPr/>
+          <p:nvPr/>
+        </p:nvSpPr>
+        <p:spPr>
+          <a:xfrm>
+            <a:off x="9861630" y="0"/>
+            <a:ext cx="8426370" cy="10287000"/>
+          </a:xfrm>
+          <a:prstGeom prst="rect">
+            <a:avLst/>
+          </a:prstGeom>
+          <a:solidFill>
+            <a:srgbClr val="CF3338"/>
+          </a:solidFill>
+          <a:ln>
+            <a:noFill/>
+          </a:ln>
+        </p:spPr>
+        <p:style>
+          <a:lnRef idx="2">
+            <a:schemeClr val="accent1">
+              <a:shade val="50000"/>
+            </a:schemeClr>
+          </a:lnRef>
+          <a:fillRef idx="1">
+            <a:schemeClr val="accent1"/>
+          </a:fillRef>
+          <a:effectRef idx="0">
+            <a:schemeClr val="accent1"/>
+          </a:effectRef>
+          <a:fontRef idx="minor">
+            <a:schemeClr val="lt1"/>
+          </a:fontRef>
+        </p:style>
+        <p:txBody>
+          <a:bodyPr rtlCol="0" anchor="ctr"/>
+          <a:lstStyle/>
+          <a:p>
+            <a:pPr algn="ctr"/>
+            <a:endParaRPr lang="en-US" sz="2700"/>
+          </a:p>
+        </p:txBody>
+      </p:sp>
       <p:pic>
         <p:nvPicPr>
-          <p:cNvPr id="8" name="Picture 8"/>
+          <p:cNvPr id="2" name="Picture 1"/>
           <p:cNvPicPr>
             <a:picLocks noChangeAspect="1"/>
           </p:cNvPicPr>
           <p:nvPr/>
         </p:nvPicPr>
-        <p:blipFill>
-          <a:blip r:embed="rId3"/>
-          <a:srcRect/>
-          <a:stretch>
-            <a:fillRect/>
-          </a:stretch>
-        </p:blipFill>
-        <p:spPr>
-          <a:xfrm>
-            <a:off x="16459201" y="-99078"/>
-            <a:ext cx="2005784" cy="1470491"/>
-          </a:xfrm>
-          <a:prstGeom prst="rect">
-            <a:avLst/>
-          </a:prstGeom>
-        </p:spPr>
-      </p:pic>
-      <p:sp>
-        <p:nvSpPr>
-          <p:cNvPr id="9" name="TextBox 9"/>
-          <p:cNvSpPr txBox="1"/>
-          <p:nvPr/>
-        </p:nvSpPr>
-        <p:spPr>
-          <a:xfrm>
-            <a:off x="838200" y="617118"/>
-            <a:ext cx="15631206" cy="1209818"/>
-          </a:xfrm>
-          <a:prstGeom prst="rect">
-            <a:avLst/>
-          </a:prstGeom>
-        </p:spPr>
-        <p:txBody>
-          <a:bodyPr wrap="square" lIns="0" tIns="0" rIns="0" bIns="0" rtlCol="0" anchor="t">
-            <a:spAutoFit/>
-          </a:bodyPr>
-          <a:lstStyle/>
-          <a:p>
-            <a:pPr>
-              <a:lnSpc>
-                <a:spcPts val="10080"/>
-              </a:lnSpc>
-              <a:spcBef>
-                <a:spcPct val="0"/>
-              </a:spcBef>
-            </a:pPr>
-            <a:r>
-              <a:rPr lang="en-US" sz="7200" dirty="0">
-                <a:solidFill>
-                  <a:srgbClr val="000000"/>
-                </a:solidFill>
-                <a:latin typeface="Open Sans Extra Bold"/>
-              </a:rPr>
-              <a:t>TAKE THE SURVEY</a:t>
-            </a:r>
-          </a:p>
-        </p:txBody>
-      </p:sp>
-      <p:pic>
-        <p:nvPicPr>
-          <p:cNvPr id="5" name="Picture 6">
-            <a:extLst>
-              <a:ext uri="{FF2B5EF4-FFF2-40B4-BE49-F238E27FC236}">
-                <a16:creationId xmlns:a16="http://schemas.microsoft.com/office/drawing/2014/main" id="{01C401A0-8EBC-47CA-B2DE-F204DE6EEF54}"/>
-              </a:ext>
-            </a:extLst>
-          </p:cNvPr>
-          <p:cNvPicPr>
-            <a:picLocks noChangeAspect="1"/>
-          </p:cNvPicPr>
-          <p:nvPr/>
-        </p:nvPicPr>
-        <p:blipFill>
-          <a:blip r:embed="rId4"/>
-          <a:srcRect b="44190"/>
-          <a:stretch>
-            <a:fillRect/>
-          </a:stretch>
-        </p:blipFill>
-        <p:spPr>
-          <a:xfrm>
-            <a:off x="16095121" y="9265256"/>
-            <a:ext cx="2013122" cy="823680"/>
-          </a:xfrm>
-          <a:prstGeom prst="rect">
-            <a:avLst/>
-          </a:prstGeom>
-        </p:spPr>
-      </p:pic>
-      <p:sp>
-        <p:nvSpPr>
-          <p:cNvPr id="6" name="TextBox 5">
-            <a:extLst>
-              <a:ext uri="{FF2B5EF4-FFF2-40B4-BE49-F238E27FC236}">
-                <a16:creationId xmlns:a16="http://schemas.microsoft.com/office/drawing/2014/main" id="{B72B56F1-579F-4CEC-BF86-0455EEB5C6F1}"/>
-              </a:ext>
-            </a:extLst>
-          </p:cNvPr>
-          <p:cNvSpPr txBox="1"/>
-          <p:nvPr/>
-        </p:nvSpPr>
-        <p:spPr>
-          <a:xfrm>
-            <a:off x="857250" y="1943100"/>
-            <a:ext cx="8727030" cy="5232330"/>
-          </a:xfrm>
-          <a:prstGeom prst="rect">
-            <a:avLst/>
-          </a:prstGeom>
-          <a:noFill/>
-        </p:spPr>
-        <p:txBody>
-          <a:bodyPr wrap="square" rtlCol="0">
-            <a:spAutoFit/>
-          </a:bodyPr>
-          <a:lstStyle/>
-          <a:p>
-            <a:r>
-              <a:rPr lang="en-US" sz="4800" dirty="0">
-                <a:latin typeface="Gidole" panose="02000503000000000000" pitchFamily="2" charset="0"/>
-                <a:ea typeface="Roboto Mono" pitchFamily="2" charset="0"/>
-              </a:rPr>
-              <a:t>How did I do today? Testimonials or other data welcome.</a:t>
-            </a:r>
-          </a:p>
-          <a:p>
-            <a:endParaRPr lang="en-US" sz="4001" dirty="0">
-              <a:latin typeface="Gidole" panose="02000503000000000000" pitchFamily="2" charset="0"/>
-              <a:ea typeface="Roboto Mono" pitchFamily="2" charset="0"/>
-            </a:endParaRPr>
-          </a:p>
-          <a:p>
-            <a:r>
-              <a:rPr lang="en-US" sz="6600" dirty="0">
-                <a:latin typeface="Gidole" panose="02000503000000000000" pitchFamily="2" charset="0"/>
-                <a:ea typeface="Roboto Mono" pitchFamily="2" charset="0"/>
-                <a:hlinkClick r:id="rId5"/>
-              </a:rPr>
-              <a:t>https://social.stringfestanalytics.com/event-feedback</a:t>
-            </a:r>
-            <a:r>
-              <a:rPr lang="en-US" sz="6600" dirty="0">
-                <a:latin typeface="Gidole" panose="02000503000000000000" pitchFamily="2" charset="0"/>
-                <a:ea typeface="Roboto Mono" pitchFamily="2" charset="0"/>
-              </a:rPr>
-              <a:t>  </a:t>
-            </a:r>
-          </a:p>
-        </p:txBody>
-      </p:sp>
-      <p:pic>
-        <p:nvPicPr>
-          <p:cNvPr id="3" name="Picture 2" descr="Shape&#10;&#10;Description automatically generated with low confidence">
-            <a:extLst>
-              <a:ext uri="{FF2B5EF4-FFF2-40B4-BE49-F238E27FC236}">
-                <a16:creationId xmlns:a16="http://schemas.microsoft.com/office/drawing/2014/main" id="{42F3175D-B642-4C36-959D-6981F5B7F69C}"/>
-              </a:ext>
-            </a:extLst>
-          </p:cNvPr>
-          <p:cNvPicPr>
-            <a:picLocks noChangeAspect="1"/>
-          </p:cNvPicPr>
-          <p:nvPr/>
-        </p:nvPicPr>
-        <p:blipFill>
-          <a:blip r:embed="rId6" cstate="print">
+        <p:blipFill rotWithShape="1">
+          <a:blip r:embed="rId2">
             <a:extLst>
               <a:ext uri="{28A0092B-C50C-407E-A947-70E740481C1C}">
                 <a14:useLocalDpi xmlns:a14="http://schemas.microsoft.com/office/drawing/2010/main" val="0"/>
               </a:ext>
             </a:extLst>
           </a:blip>
-          <a:stretch>
-            <a:fillRect/>
-          </a:stretch>
+          <a:srcRect l="69227" t="33418" r="20112" b="50548"/>
+          <a:stretch/>
         </p:blipFill>
         <p:spPr>
           <a:xfrm>
-            <a:off x="10210800" y="4836284"/>
-            <a:ext cx="5257800" cy="5257800"/>
+            <a:off x="15579524" y="7544693"/>
+            <a:ext cx="2708477" cy="2987579"/>
           </a:xfrm>
           <a:prstGeom prst="rect">
             <a:avLst/>
           </a:prstGeom>
         </p:spPr>
       </p:pic>
+      <p:sp>
+        <p:nvSpPr>
+          <p:cNvPr id="3" name="TextBox 2"/>
+          <p:cNvSpPr txBox="1"/>
+          <p:nvPr/>
+        </p:nvSpPr>
+        <p:spPr>
+          <a:xfrm>
+            <a:off x="260431" y="329879"/>
+            <a:ext cx="9432824" cy="4524315"/>
+          </a:xfrm>
+          <a:prstGeom prst="rect">
+            <a:avLst/>
+          </a:prstGeom>
+          <a:noFill/>
+        </p:spPr>
+        <p:txBody>
+          <a:bodyPr wrap="square" rtlCol="0">
+            <a:spAutoFit/>
+          </a:bodyPr>
+          <a:lstStyle/>
+          <a:p>
+            <a:r>
+              <a:rPr lang="en-US" sz="6000" b="1" dirty="0">
+                <a:solidFill>
+                  <a:srgbClr val="CF3338"/>
+                </a:solidFill>
+                <a:latin typeface="Pragmatica" panose="020B0403040502020204" pitchFamily="34" charset="0"/>
+              </a:rPr>
+              <a:t>Join my </a:t>
+            </a:r>
+            <a:r>
+              <a:rPr lang="en-US" sz="6000" b="1" dirty="0" err="1">
+                <a:solidFill>
+                  <a:srgbClr val="CF3338"/>
+                </a:solidFill>
+                <a:latin typeface="Pragmatica" panose="020B0403040502020204" pitchFamily="34" charset="0"/>
+              </a:rPr>
+              <a:t>Patreon</a:t>
+            </a:r>
+            <a:endParaRPr lang="en-US" sz="6000" b="1" dirty="0">
+              <a:solidFill>
+                <a:srgbClr val="CF3338"/>
+              </a:solidFill>
+              <a:latin typeface="Pragmatica" panose="020B0403040502020204" pitchFamily="34" charset="0"/>
+            </a:endParaRPr>
+          </a:p>
+          <a:p>
+            <a:endParaRPr lang="en-US" sz="6000" b="1" i="1" dirty="0">
+              <a:solidFill>
+                <a:srgbClr val="CF3338"/>
+              </a:solidFill>
+              <a:latin typeface="Pragmatica" panose="020B0403040502020204" pitchFamily="34" charset="0"/>
+            </a:endParaRPr>
+          </a:p>
+          <a:p>
+            <a:pPr marL="685800" indent="-685800">
+              <a:buFont typeface="Arial" panose="020B0604020202020204" pitchFamily="34" charset="0"/>
+              <a:buChar char="•"/>
+            </a:pPr>
+            <a:r>
+              <a:rPr lang="en-US" sz="4200" dirty="0">
+                <a:latin typeface="Pragmatica" panose="020B0403040502020204" pitchFamily="34" charset="0"/>
+                <a:hlinkClick r:id="rId3">
+                  <a:extLst>
+                    <a:ext uri="{A12FA001-AC4F-418D-AE19-62706E023703}">
+                      <ahyp:hlinkClr xmlns:ahyp="http://schemas.microsoft.com/office/drawing/2018/hyperlinkcolor" val="tx"/>
+                    </a:ext>
+                  </a:extLst>
+                </a:hlinkClick>
+              </a:rPr>
+              <a:t>https://social.stringfestanalytics.com/patreon</a:t>
+            </a:r>
+            <a:r>
+              <a:rPr lang="en-US" sz="4200" dirty="0">
+                <a:latin typeface="Pragmatica" panose="020B0403040502020204" pitchFamily="34" charset="0"/>
+              </a:rPr>
+              <a:t>  </a:t>
+            </a:r>
+          </a:p>
+          <a:p>
+            <a:pPr marL="685800" indent="-685800">
+              <a:buFont typeface="Arial" panose="020B0604020202020204" pitchFamily="34" charset="0"/>
+              <a:buChar char="•"/>
+            </a:pPr>
+            <a:r>
+              <a:rPr lang="en-US" sz="4200" dirty="0">
+                <a:latin typeface="Pragmatica" panose="020B0403040502020204" pitchFamily="34" charset="0"/>
+              </a:rPr>
+              <a:t>Get lifetime access to all past webinar recordings &amp; downloads</a:t>
+            </a:r>
+            <a:endParaRPr lang="en-US" sz="6000" dirty="0">
+              <a:latin typeface="Pragmatica" panose="020B0403040502020204" pitchFamily="34" charset="0"/>
+            </a:endParaRPr>
+          </a:p>
+        </p:txBody>
+      </p:sp>
     </p:spTree>
     <p:extLst>
       <p:ext uri="{BB962C8B-B14F-4D97-AF65-F5344CB8AC3E}">
-        <p14:creationId xmlns:p14="http://schemas.microsoft.com/office/powerpoint/2010/main" val="3032095955"/>
+        <p14:creationId xmlns:p14="http://schemas.microsoft.com/office/powerpoint/2010/main" val="801538824"/>
       </p:ext>
     </p:extLst>
   </p:cSld>
@@ -5627,7 +5577,7 @@
         <p:spPr>
           <a:xfrm>
             <a:off x="2112470" y="3337024"/>
-            <a:ext cx="12594129" cy="3477875"/>
+            <a:ext cx="12594129" cy="4985980"/>
           </a:xfrm>
           <a:prstGeom prst="rect">
             <a:avLst/>
@@ -5646,29 +5596,37 @@
                 </a:solidFill>
                 <a:latin typeface="Gidole"/>
               </a:rPr>
-              <a:t>Download resources:</a:t>
-            </a:r>
-          </a:p>
-          <a:p>
-            <a:r>
-              <a:rPr lang="en-US" sz="8000" spc="30" dirty="0">
+              <a:t>Download files are now Patreon ONLY:</a:t>
+            </a:r>
+          </a:p>
+          <a:p>
+            <a:r>
+              <a:rPr lang="en-US" sz="6600" spc="30" dirty="0">
                 <a:solidFill>
                   <a:srgbClr val="000000"/>
                 </a:solidFill>
                 <a:latin typeface="Gidole"/>
                 <a:hlinkClick r:id="rId4"/>
               </a:rPr>
-              <a:t>https://social.stringfestanalytics.com/G2Se</a:t>
-            </a:r>
-            <a:r>
-              <a:rPr lang="en-US" sz="8000" spc="30" dirty="0">
+              <a:t>https://www.patreon.com/user?u=80541000</a:t>
+            </a:r>
+            <a:r>
+              <a:rPr lang="en-US" sz="6600" spc="30" dirty="0">
                 <a:solidFill>
                   <a:srgbClr val="000000"/>
                 </a:solidFill>
                 <a:latin typeface="Gidole"/>
               </a:rPr>
-              <a:t> </a:t>
-            </a:r>
+              <a:t>  </a:t>
+            </a:r>
+            <a:br>
+              <a:rPr lang="en-US" sz="6600" spc="30" dirty="0">
+                <a:solidFill>
+                  <a:srgbClr val="000000"/>
+                </a:solidFill>
+                <a:latin typeface="Gidole"/>
+              </a:rPr>
+            </a:br>
             <a:endParaRPr lang="en-US" sz="6000" spc="30" dirty="0">
               <a:solidFill>
                 <a:srgbClr val="000000"/>
@@ -5777,7 +5735,7 @@
         <p:spPr>
           <a:xfrm>
             <a:off x="694481" y="2048720"/>
-            <a:ext cx="14393120" cy="7222555"/>
+            <a:ext cx="14393120" cy="5786264"/>
           </a:xfrm>
           <a:prstGeom prst="rect">
             <a:avLst/>
@@ -5790,50 +5748,7 @@
           </a:bodyPr>
           <a:lstStyle/>
           <a:p>
-            <a:pPr marL="685800" indent="-685800">
-              <a:lnSpc>
-                <a:spcPts val="5625"/>
-              </a:lnSpc>
-              <a:buFont typeface="Arial" panose="020B0604020202020204" pitchFamily="34" charset="0"/>
-              <a:buChar char="•"/>
-            </a:pPr>
-            <a:r>
-              <a:rPr lang="en-US" sz="4200" spc="45" dirty="0">
-                <a:solidFill>
-                  <a:srgbClr val="000000"/>
-                </a:solidFill>
-                <a:latin typeface="Gidole"/>
-              </a:rPr>
-              <a:t>Feel free to share the download link with latecomers </a:t>
-            </a:r>
-            <a:r>
-              <a:rPr lang="en-US" sz="4200" spc="45" dirty="0">
-                <a:solidFill>
-                  <a:srgbClr val="000000"/>
-                </a:solidFill>
-                <a:latin typeface="Gidole"/>
-                <a:sym typeface="Wingdings" panose="05000000000000000000" pitchFamily="2" charset="2"/>
-              </a:rPr>
-              <a:t> </a:t>
-            </a:r>
-            <a:br>
-              <a:rPr lang="en-US" sz="4200" spc="45" dirty="0">
-                <a:solidFill>
-                  <a:srgbClr val="000000"/>
-                </a:solidFill>
-                <a:latin typeface="Gidole"/>
-                <a:sym typeface="Wingdings" panose="05000000000000000000" pitchFamily="2" charset="2"/>
-              </a:rPr>
-            </a:br>
-            <a:endParaRPr lang="en-US" sz="4200" spc="45" dirty="0">
-              <a:solidFill>
-                <a:srgbClr val="000000"/>
-              </a:solidFill>
-              <a:latin typeface="Gidole"/>
-            </a:endParaRPr>
-          </a:p>
-          <a:p>
-            <a:pPr marL="685800" indent="-685800">
+            <a:pPr marL="571500" indent="-571500">
               <a:lnSpc>
                 <a:spcPts val="5625"/>
               </a:lnSpc>
@@ -6328,6 +6243,199 @@
           <a:chExt cx="0" cy="0"/>
         </a:xfrm>
       </p:grpSpPr>
+      <p:sp>
+        <p:nvSpPr>
+          <p:cNvPr id="4" name="Rectangle 3"/>
+          <p:cNvSpPr/>
+          <p:nvPr/>
+        </p:nvSpPr>
+        <p:spPr>
+          <a:xfrm>
+            <a:off x="9861630" y="0"/>
+            <a:ext cx="8426370" cy="10287000"/>
+          </a:xfrm>
+          <a:prstGeom prst="rect">
+            <a:avLst/>
+          </a:prstGeom>
+          <a:solidFill>
+            <a:srgbClr val="CF3338"/>
+          </a:solidFill>
+          <a:ln>
+            <a:noFill/>
+          </a:ln>
+        </p:spPr>
+        <p:style>
+          <a:lnRef idx="2">
+            <a:schemeClr val="accent1">
+              <a:shade val="50000"/>
+            </a:schemeClr>
+          </a:lnRef>
+          <a:fillRef idx="1">
+            <a:schemeClr val="accent1"/>
+          </a:fillRef>
+          <a:effectRef idx="0">
+            <a:schemeClr val="accent1"/>
+          </a:effectRef>
+          <a:fontRef idx="minor">
+            <a:schemeClr val="lt1"/>
+          </a:fontRef>
+        </p:style>
+        <p:txBody>
+          <a:bodyPr rtlCol="0" anchor="ctr"/>
+          <a:lstStyle/>
+          <a:p>
+            <a:pPr algn="ctr"/>
+            <a:endParaRPr lang="en-US" sz="2700"/>
+          </a:p>
+        </p:txBody>
+      </p:sp>
+      <p:pic>
+        <p:nvPicPr>
+          <p:cNvPr id="2" name="Picture 1"/>
+          <p:cNvPicPr>
+            <a:picLocks noChangeAspect="1"/>
+          </p:cNvPicPr>
+          <p:nvPr/>
+        </p:nvPicPr>
+        <p:blipFill rotWithShape="1">
+          <a:blip r:embed="rId2">
+            <a:extLst>
+              <a:ext uri="{28A0092B-C50C-407E-A947-70E740481C1C}">
+                <a14:useLocalDpi xmlns:a14="http://schemas.microsoft.com/office/drawing/2010/main" val="0"/>
+              </a:ext>
+            </a:extLst>
+          </a:blip>
+          <a:srcRect l="69227" t="33418" r="20112" b="50548"/>
+          <a:stretch/>
+        </p:blipFill>
+        <p:spPr>
+          <a:xfrm>
+            <a:off x="15579524" y="7544693"/>
+            <a:ext cx="2708477" cy="2987579"/>
+          </a:xfrm>
+          <a:prstGeom prst="rect">
+            <a:avLst/>
+          </a:prstGeom>
+        </p:spPr>
+      </p:pic>
+      <p:sp>
+        <p:nvSpPr>
+          <p:cNvPr id="3" name="TextBox 2"/>
+          <p:cNvSpPr txBox="1"/>
+          <p:nvPr/>
+        </p:nvSpPr>
+        <p:spPr>
+          <a:xfrm>
+            <a:off x="260431" y="329879"/>
+            <a:ext cx="9432824" cy="5816977"/>
+          </a:xfrm>
+          <a:prstGeom prst="rect">
+            <a:avLst/>
+          </a:prstGeom>
+          <a:noFill/>
+        </p:spPr>
+        <p:txBody>
+          <a:bodyPr wrap="square" rtlCol="0">
+            <a:spAutoFit/>
+          </a:bodyPr>
+          <a:lstStyle/>
+          <a:p>
+            <a:r>
+              <a:rPr lang="en-US" sz="6000" b="1" dirty="0">
+                <a:solidFill>
+                  <a:srgbClr val="CF3338"/>
+                </a:solidFill>
+                <a:latin typeface="Pragmatica" panose="020B0403040502020204" pitchFamily="34" charset="0"/>
+              </a:rPr>
+              <a:t>Demos</a:t>
+            </a:r>
+          </a:p>
+          <a:p>
+            <a:endParaRPr lang="en-US" sz="6000" b="1" i="1" dirty="0">
+              <a:solidFill>
+                <a:srgbClr val="CF3338"/>
+              </a:solidFill>
+              <a:latin typeface="Pragmatica" panose="020B0403040502020204" pitchFamily="34" charset="0"/>
+            </a:endParaRPr>
+          </a:p>
+          <a:p>
+            <a:r>
+              <a:rPr lang="en-US" sz="4200" dirty="0">
+                <a:latin typeface="Pragmatica" panose="020B0403040502020204" pitchFamily="34" charset="0"/>
+              </a:rPr>
+              <a:t>File: </a:t>
+            </a:r>
+            <a:r>
+              <a:rPr lang="en-US" sz="4200" dirty="0">
+                <a:latin typeface="Consolas" panose="020B0609020204030204" pitchFamily="49" charset="0"/>
+              </a:rPr>
+              <a:t>wholesale-customers.xlsx </a:t>
+            </a:r>
+          </a:p>
+          <a:p>
+            <a:endParaRPr lang="en-US" sz="4200" dirty="0">
+              <a:latin typeface="Pragmatica" panose="020B0403040502020204" pitchFamily="34" charset="0"/>
+            </a:endParaRPr>
+          </a:p>
+          <a:p>
+            <a:pPr marL="685800" indent="-685800">
+              <a:buFont typeface="Arial" panose="020B0604020202020204" pitchFamily="34" charset="0"/>
+              <a:buChar char="•"/>
+            </a:pPr>
+            <a:r>
+              <a:rPr lang="en-US" sz="4200" dirty="0">
+                <a:latin typeface="Pragmatica" panose="020B0403040502020204" pitchFamily="34" charset="0"/>
+              </a:rPr>
+              <a:t>Getting AI-powered insights with Analyze Data</a:t>
+            </a:r>
+          </a:p>
+          <a:p>
+            <a:pPr marL="685800" indent="-685800">
+              <a:buFont typeface="Arial" panose="020B0604020202020204" pitchFamily="34" charset="0"/>
+              <a:buChar char="•"/>
+            </a:pPr>
+            <a:r>
+              <a:rPr lang="en-US" sz="4200" dirty="0">
+                <a:latin typeface="Pragmatica" panose="020B0403040502020204" pitchFamily="34" charset="0"/>
+              </a:rPr>
+              <a:t>Optimizing the data’s structure with Power Query</a:t>
+            </a:r>
+            <a:endParaRPr lang="en-US" sz="6000" dirty="0">
+              <a:latin typeface="Pragmatica" panose="020B0403040502020204" pitchFamily="34" charset="0"/>
+            </a:endParaRPr>
+          </a:p>
+        </p:txBody>
+      </p:sp>
+    </p:spTree>
+    <p:extLst>
+      <p:ext uri="{BB962C8B-B14F-4D97-AF65-F5344CB8AC3E}">
+        <p14:creationId xmlns:p14="http://schemas.microsoft.com/office/powerpoint/2010/main" val="816866935"/>
+      </p:ext>
+    </p:extLst>
+  </p:cSld>
+  <p:clrMapOvr>
+    <a:masterClrMapping/>
+  </p:clrMapOvr>
+</p:sld>
+</file>
+
+<file path=ppt/slides/slide9.xml><?xml version="1.0" encoding="utf-8"?>
+<p:sld xmlns:a="http://schemas.openxmlformats.org/drawingml/2006/main" xmlns:r="http://schemas.openxmlformats.org/officeDocument/2006/relationships" xmlns:p="http://schemas.openxmlformats.org/presentationml/2006/main">
+  <p:cSld>
+    <p:spTree>
+      <p:nvGrpSpPr>
+        <p:cNvPr id="1" name=""/>
+        <p:cNvGrpSpPr/>
+        <p:nvPr/>
+      </p:nvGrpSpPr>
+      <p:grpSpPr>
+        <a:xfrm>
+          <a:off x="0" y="0"/>
+          <a:ext cx="0" cy="0"/>
+          <a:chOff x="0" y="0"/>
+          <a:chExt cx="0" cy="0"/>
+        </a:xfrm>
+      </p:grpSpPr>
       <p:pic>
         <p:nvPicPr>
           <p:cNvPr id="10" name="Picture 9"/>
@@ -6492,273 +6600,6 @@
     <p:extLst>
       <p:ext uri="{BB962C8B-B14F-4D97-AF65-F5344CB8AC3E}">
         <p14:creationId xmlns:p14="http://schemas.microsoft.com/office/powerpoint/2010/main" val="1832136422"/>
-      </p:ext>
-    </p:extLst>
-  </p:cSld>
-  <p:clrMapOvr>
-    <a:masterClrMapping/>
-  </p:clrMapOvr>
-</p:sld>
-</file>
-
-<file path=ppt/slides/slide9.xml><?xml version="1.0" encoding="utf-8"?>
-<p:sld xmlns:a="http://schemas.openxmlformats.org/drawingml/2006/main" xmlns:r="http://schemas.openxmlformats.org/officeDocument/2006/relationships" xmlns:p="http://schemas.openxmlformats.org/presentationml/2006/main">
-  <p:cSld>
-    <p:spTree>
-      <p:nvGrpSpPr>
-        <p:cNvPr id="1" name=""/>
-        <p:cNvGrpSpPr/>
-        <p:nvPr/>
-      </p:nvGrpSpPr>
-      <p:grpSpPr>
-        <a:xfrm>
-          <a:off x="0" y="0"/>
-          <a:ext cx="0" cy="0"/>
-          <a:chOff x="0" y="0"/>
-          <a:chExt cx="0" cy="0"/>
-        </a:xfrm>
-      </p:grpSpPr>
-      <p:sp>
-        <p:nvSpPr>
-          <p:cNvPr id="4" name="Rectangle 3"/>
-          <p:cNvSpPr/>
-          <p:nvPr/>
-        </p:nvSpPr>
-        <p:spPr>
-          <a:xfrm>
-            <a:off x="9861630" y="0"/>
-            <a:ext cx="8426370" cy="10287000"/>
-          </a:xfrm>
-          <a:prstGeom prst="rect">
-            <a:avLst/>
-          </a:prstGeom>
-          <a:solidFill>
-            <a:srgbClr val="CF3338"/>
-          </a:solidFill>
-          <a:ln>
-            <a:noFill/>
-          </a:ln>
-        </p:spPr>
-        <p:style>
-          <a:lnRef idx="2">
-            <a:schemeClr val="accent1">
-              <a:shade val="50000"/>
-            </a:schemeClr>
-          </a:lnRef>
-          <a:fillRef idx="1">
-            <a:schemeClr val="accent1"/>
-          </a:fillRef>
-          <a:effectRef idx="0">
-            <a:schemeClr val="accent1"/>
-          </a:effectRef>
-          <a:fontRef idx="minor">
-            <a:schemeClr val="lt1"/>
-          </a:fontRef>
-        </p:style>
-        <p:txBody>
-          <a:bodyPr rtlCol="0" anchor="ctr"/>
-          <a:lstStyle/>
-          <a:p>
-            <a:pPr algn="ctr"/>
-            <a:endParaRPr lang="en-US" sz="2700"/>
-          </a:p>
-        </p:txBody>
-      </p:sp>
-      <p:pic>
-        <p:nvPicPr>
-          <p:cNvPr id="2" name="Picture 1"/>
-          <p:cNvPicPr>
-            <a:picLocks noChangeAspect="1"/>
-          </p:cNvPicPr>
-          <p:nvPr/>
-        </p:nvPicPr>
-        <p:blipFill rotWithShape="1">
-          <a:blip r:embed="rId2">
-            <a:extLst>
-              <a:ext uri="{28A0092B-C50C-407E-A947-70E740481C1C}">
-                <a14:useLocalDpi xmlns:a14="http://schemas.microsoft.com/office/drawing/2010/main" val="0"/>
-              </a:ext>
-            </a:extLst>
-          </a:blip>
-          <a:srcRect l="69227" t="33418" r="20112" b="50548"/>
-          <a:stretch/>
-        </p:blipFill>
-        <p:spPr>
-          <a:xfrm>
-            <a:off x="15579524" y="7544693"/>
-            <a:ext cx="2708477" cy="2987579"/>
-          </a:xfrm>
-          <a:prstGeom prst="rect">
-            <a:avLst/>
-          </a:prstGeom>
-        </p:spPr>
-      </p:pic>
-      <p:sp>
-        <p:nvSpPr>
-          <p:cNvPr id="3" name="TextBox 2"/>
-          <p:cNvSpPr txBox="1"/>
-          <p:nvPr/>
-        </p:nvSpPr>
-        <p:spPr>
-          <a:xfrm>
-            <a:off x="260431" y="329879"/>
-            <a:ext cx="9432824" cy="9048631"/>
-          </a:xfrm>
-          <a:prstGeom prst="rect">
-            <a:avLst/>
-          </a:prstGeom>
-          <a:noFill/>
-        </p:spPr>
-        <p:txBody>
-          <a:bodyPr wrap="square" rtlCol="0">
-            <a:spAutoFit/>
-          </a:bodyPr>
-          <a:lstStyle/>
-          <a:p>
-            <a:r>
-              <a:rPr lang="en-US" sz="6000" b="1" i="1" dirty="0">
-                <a:solidFill>
-                  <a:srgbClr val="CF3338"/>
-                </a:solidFill>
-                <a:latin typeface="Pragmatica" panose="020B0403040502020204" pitchFamily="34" charset="0"/>
-              </a:rPr>
-              <a:t>Modern Data Analytics in Excel</a:t>
-            </a:r>
-          </a:p>
-          <a:p>
-            <a:endParaRPr lang="en-US" sz="6000" b="1" i="1" dirty="0">
-              <a:solidFill>
-                <a:srgbClr val="CF3338"/>
-              </a:solidFill>
-              <a:latin typeface="Pragmatica" panose="020B0403040502020204" pitchFamily="34" charset="0"/>
-            </a:endParaRPr>
-          </a:p>
-          <a:p>
-            <a:endParaRPr lang="en-US" sz="6000" dirty="0">
-              <a:solidFill>
-                <a:srgbClr val="CF3338"/>
-              </a:solidFill>
-              <a:latin typeface="Pragmatica" panose="020B0403040502020204" pitchFamily="34" charset="0"/>
-            </a:endParaRPr>
-          </a:p>
-          <a:p>
-            <a:endParaRPr lang="en-US" sz="6000" dirty="0">
-              <a:solidFill>
-                <a:srgbClr val="CF3338"/>
-              </a:solidFill>
-              <a:latin typeface="Pragmatica" panose="020B0403040502020204" pitchFamily="34" charset="0"/>
-            </a:endParaRPr>
-          </a:p>
-          <a:p>
-            <a:endParaRPr lang="en-US" sz="6000" dirty="0">
-              <a:solidFill>
-                <a:srgbClr val="CF3338"/>
-              </a:solidFill>
-              <a:latin typeface="Pragmatica" panose="020B0403040502020204" pitchFamily="34" charset="0"/>
-            </a:endParaRPr>
-          </a:p>
-          <a:p>
-            <a:endParaRPr lang="en-US" sz="6000" dirty="0">
-              <a:solidFill>
-                <a:srgbClr val="CF3338"/>
-              </a:solidFill>
-              <a:latin typeface="Pragmatica" panose="020B0403040502020204" pitchFamily="34" charset="0"/>
-            </a:endParaRPr>
-          </a:p>
-          <a:p>
-            <a:endParaRPr lang="en-US" sz="6000" dirty="0">
-              <a:solidFill>
-                <a:srgbClr val="CF3338"/>
-              </a:solidFill>
-              <a:latin typeface="Pragmatica" panose="020B0403040502020204" pitchFamily="34" charset="0"/>
-            </a:endParaRPr>
-          </a:p>
-          <a:p>
-            <a:r>
-              <a:rPr lang="en-US" sz="6000" dirty="0">
-                <a:solidFill>
-                  <a:srgbClr val="CF3338"/>
-                </a:solidFill>
-                <a:latin typeface="Pragmatica" panose="020B0403040502020204" pitchFamily="34" charset="0"/>
-              </a:rPr>
-              <a:t>Available in early release: </a:t>
-            </a:r>
-            <a:r>
-              <a:rPr lang="en-US" sz="4200" dirty="0">
-                <a:latin typeface="Pragmatica" panose="020B0403040502020204" pitchFamily="34" charset="0"/>
-                <a:hlinkClick r:id="rId3">
-                  <a:extLst>
-                    <a:ext uri="{A12FA001-AC4F-418D-AE19-62706E023703}">
-                      <ahyp:hlinkClr xmlns:ahyp="http://schemas.microsoft.com/office/drawing/2018/hyperlinkcolor" val="tx"/>
-                    </a:ext>
-                  </a:extLst>
-                </a:hlinkClick>
-              </a:rPr>
-              <a:t>https://stringfestanalytics.com/maxl/</a:t>
-            </a:r>
-            <a:r>
-              <a:rPr lang="en-US" sz="4200" dirty="0">
-                <a:latin typeface="Pragmatica" panose="020B0403040502020204" pitchFamily="34" charset="0"/>
-              </a:rPr>
-              <a:t>  </a:t>
-            </a:r>
-            <a:endParaRPr lang="en-US" sz="6000" dirty="0">
-              <a:latin typeface="Pragmatica" panose="020B0403040502020204" pitchFamily="34" charset="0"/>
-            </a:endParaRPr>
-          </a:p>
-        </p:txBody>
-      </p:sp>
-      <p:pic>
-        <p:nvPicPr>
-          <p:cNvPr id="1026" name="Picture 2" descr="Modern analytics in Excel cover ">
-            <a:extLst>
-              <a:ext uri="{FF2B5EF4-FFF2-40B4-BE49-F238E27FC236}">
-                <a16:creationId xmlns:a16="http://schemas.microsoft.com/office/drawing/2014/main" id="{A5A802EA-8E14-7D50-3D79-28EFA72A604E}"/>
-              </a:ext>
-            </a:extLst>
-          </p:cNvPr>
-          <p:cNvPicPr>
-            <a:picLocks noChangeAspect="1" noChangeArrowheads="1"/>
-          </p:cNvPicPr>
-          <p:nvPr/>
-        </p:nvPicPr>
-        <p:blipFill>
-          <a:blip r:embed="rId4">
-            <a:extLst>
-              <a:ext uri="{28A0092B-C50C-407E-A947-70E740481C1C}">
-                <a14:useLocalDpi xmlns:a14="http://schemas.microsoft.com/office/drawing/2010/main" val="0"/>
-              </a:ext>
-            </a:extLst>
-          </a:blip>
-          <a:srcRect/>
-          <a:stretch>
-            <a:fillRect/>
-          </a:stretch>
-        </p:blipFill>
-        <p:spPr bwMode="auto">
-          <a:xfrm>
-            <a:off x="10769516" y="923560"/>
-            <a:ext cx="5715000" cy="7500938"/>
-          </a:xfrm>
-          <a:prstGeom prst="rect">
-            <a:avLst/>
-          </a:prstGeom>
-          <a:noFill/>
-          <a:extLst>
-            <a:ext uri="{909E8E84-426E-40DD-AFC4-6F175D3DCCD1}">
-              <a14:hiddenFill xmlns:a14="http://schemas.microsoft.com/office/drawing/2010/main">
-                <a:solidFill>
-                  <a:srgbClr val="FFFFFF"/>
-                </a:solidFill>
-              </a14:hiddenFill>
-            </a:ext>
-          </a:extLst>
-        </p:spPr>
-      </p:pic>
-    </p:spTree>
-    <p:extLst>
-      <p:ext uri="{BB962C8B-B14F-4D97-AF65-F5344CB8AC3E}">
-        <p14:creationId xmlns:p14="http://schemas.microsoft.com/office/powerpoint/2010/main" val="3588636196"/>
       </p:ext>
     </p:extLst>
   </p:cSld>

--- a/ai-for-excel-101-slides.pptx
+++ b/ai-for-excel-101-slides.pptx
@@ -5,46 +5,35 @@
     <p:sldMasterId id="2147483648" r:id="rId1"/>
   </p:sldMasterIdLst>
   <p:notesMasterIdLst>
-    <p:notesMasterId r:id="rId14"/>
+    <p:notesMasterId r:id="rId10"/>
   </p:notesMasterIdLst>
   <p:sldIdLst>
     <p:sldId id="256" r:id="rId2"/>
     <p:sldId id="358" r:id="rId3"/>
     <p:sldId id="403" r:id="rId4"/>
-    <p:sldId id="348" r:id="rId5"/>
-    <p:sldId id="364" r:id="rId6"/>
-    <p:sldId id="365" r:id="rId7"/>
-    <p:sldId id="431" r:id="rId8"/>
-    <p:sldId id="432" r:id="rId9"/>
-    <p:sldId id="354" r:id="rId10"/>
-    <p:sldId id="428" r:id="rId11"/>
-    <p:sldId id="430" r:id="rId12"/>
-    <p:sldId id="429" r:id="rId13"/>
+    <p:sldId id="365" r:id="rId5"/>
+    <p:sldId id="431" r:id="rId6"/>
+    <p:sldId id="432" r:id="rId7"/>
+    <p:sldId id="433" r:id="rId8"/>
+    <p:sldId id="354" r:id="rId9"/>
   </p:sldIdLst>
   <p:sldSz cx="18288000" cy="10287000"/>
   <p:notesSz cx="6858000" cy="9144000"/>
   <p:embeddedFontLst>
     <p:embeddedFont>
-      <p:font typeface="Calibri" panose="020F0502020204030204" pitchFamily="34" charset="0"/>
-      <p:regular r:id="rId15"/>
-      <p:bold r:id="rId16"/>
-      <p:italic r:id="rId17"/>
-      <p:boldItalic r:id="rId18"/>
+      <p:font typeface="Consolas" panose="020B0609020204030204" pitchFamily="49" charset="0"/>
+      <p:regular r:id="rId11"/>
+      <p:bold r:id="rId12"/>
+      <p:italic r:id="rId13"/>
+      <p:boldItalic r:id="rId14"/>
     </p:embeddedFont>
     <p:embeddedFont>
-      <p:font typeface="Consolas" panose="020B0609020204030204" pitchFamily="49" charset="0"/>
-      <p:regular r:id="rId19"/>
-      <p:bold r:id="rId20"/>
-      <p:italic r:id="rId21"/>
-      <p:boldItalic r:id="rId22"/>
+      <p:font typeface="Gidole" panose="02000503000000000000"/>
+      <p:regular r:id="rId15"/>
     </p:embeddedFont>
     <p:embeddedFont>
-      <p:font typeface="Gidole" panose="020B0604020202020204" charset="0"/>
-      <p:regular r:id="rId23"/>
-    </p:embeddedFont>
-    <p:embeddedFont>
-      <p:font typeface="Open Sans Extra Bold" panose="020B0604020202020204" charset="0"/>
-      <p:regular r:id="rId24"/>
+      <p:font typeface="Open Sans Extra Bold"/>
+      <p:regular r:id="rId16"/>
     </p:embeddedFont>
   </p:embeddedFontLst>
   <p:defaultTextStyle>
@@ -255,7 +244,7 @@
           <a:p>
             <a:fld id="{17A98A70-FA8C-4354-959C-C70678AC9BCF}" type="datetimeFigureOut">
               <a:rPr lang="en-US" smtClean="0"/>
-              <a:t>8/28/2023</a:t>
+              <a:t>9/26/2024</a:t>
             </a:fld>
             <a:endParaRPr lang="en-US"/>
           </a:p>
@@ -737,10 +726,7 @@
           <a:bodyPr/>
           <a:lstStyle/>
           <a:p>
-            <a:r>
-              <a:rPr lang="en-US" dirty="0"/>
-              <a:t>https://swiy.co/amx </a:t>
-            </a:r>
+            <a:endParaRPr lang="en-US" dirty="0"/>
           </a:p>
         </p:txBody>
       </p:sp>
@@ -770,7 +756,7 @@
     </p:spTree>
     <p:extLst>
       <p:ext uri="{BB962C8B-B14F-4D97-AF65-F5344CB8AC3E}">
-        <p14:creationId xmlns:p14="http://schemas.microsoft.com/office/powerpoint/2010/main" val="949741743"/>
+        <p14:creationId xmlns:p14="http://schemas.microsoft.com/office/powerpoint/2010/main" val="3625376761"/>
       </p:ext>
     </p:extLst>
   </p:cSld>
@@ -785,7 +771,13 @@
   <p:cSld>
     <p:spTree>
       <p:nvGrpSpPr>
-        <p:cNvPr id="1" name=""/>
+        <p:cNvPr id="1" name="">
+          <a:extLst>
+            <a:ext uri="{FF2B5EF4-FFF2-40B4-BE49-F238E27FC236}">
+              <a16:creationId xmlns:a16="http://schemas.microsoft.com/office/drawing/2014/main" id="{FA3AE82E-6AA6-2904-0E69-ADD18CD52351}"/>
+            </a:ext>
+          </a:extLst>
+        </p:cNvPr>
         <p:cNvGrpSpPr/>
         <p:nvPr/>
       </p:nvGrpSpPr>
@@ -799,7 +791,13 @@
       </p:grpSpPr>
       <p:sp>
         <p:nvSpPr>
-          <p:cNvPr id="2" name="Slide Image Placeholder 1"/>
+          <p:cNvPr id="2" name="Slide Image Placeholder 1">
+            <a:extLst>
+              <a:ext uri="{FF2B5EF4-FFF2-40B4-BE49-F238E27FC236}">
+                <a16:creationId xmlns:a16="http://schemas.microsoft.com/office/drawing/2014/main" id="{C41BF47D-1D5A-85E0-2FA3-1A080CDE12C4}"/>
+              </a:ext>
+            </a:extLst>
+          </p:cNvPr>
           <p:cNvSpPr>
             <a:spLocks noGrp="1" noRot="1" noChangeAspect="1"/>
           </p:cNvSpPr>
@@ -811,7 +809,13 @@
       </p:sp>
       <p:sp>
         <p:nvSpPr>
-          <p:cNvPr id="3" name="Notes Placeholder 2"/>
+          <p:cNvPr id="3" name="Notes Placeholder 2">
+            <a:extLst>
+              <a:ext uri="{FF2B5EF4-FFF2-40B4-BE49-F238E27FC236}">
+                <a16:creationId xmlns:a16="http://schemas.microsoft.com/office/drawing/2014/main" id="{0DA2355D-940A-3F54-82DA-7D0939563A2B}"/>
+              </a:ext>
+            </a:extLst>
+          </p:cNvPr>
           <p:cNvSpPr>
             <a:spLocks noGrp="1"/>
           </p:cNvSpPr>
@@ -830,7 +834,13 @@
       </p:sp>
       <p:sp>
         <p:nvSpPr>
-          <p:cNvPr id="4" name="Slide Number Placeholder 3"/>
+          <p:cNvPr id="4" name="Slide Number Placeholder 3">
+            <a:extLst>
+              <a:ext uri="{FF2B5EF4-FFF2-40B4-BE49-F238E27FC236}">
+                <a16:creationId xmlns:a16="http://schemas.microsoft.com/office/drawing/2014/main" id="{05F5EA1C-E681-9F90-01FF-F4A631B4428E}"/>
+              </a:ext>
+            </a:extLst>
+          </p:cNvPr>
           <p:cNvSpPr>
             <a:spLocks noGrp="1"/>
           </p:cNvSpPr>
@@ -843,9 +853,9 @@
           <a:bodyPr/>
           <a:lstStyle/>
           <a:p>
-            <a:fld id="{3BB66621-ADCC-4EF8-8003-B9D3E881DCD2}" type="slidenum">
+            <a:fld id="{FFB500C5-13F7-48FC-8160-C29AECF6C602}" type="slidenum">
               <a:rPr lang="en-US" smtClean="0"/>
-              <a:t>5</a:t>
+              <a:t>7</a:t>
             </a:fld>
             <a:endParaRPr lang="en-US"/>
           </a:p>
@@ -854,178 +864,7 @@
     </p:spTree>
     <p:extLst>
       <p:ext uri="{BB962C8B-B14F-4D97-AF65-F5344CB8AC3E}">
-        <p14:creationId xmlns:p14="http://schemas.microsoft.com/office/powerpoint/2010/main" val="2537275168"/>
-      </p:ext>
-    </p:extLst>
-  </p:cSld>
-  <p:clrMapOvr>
-    <a:masterClrMapping/>
-  </p:clrMapOvr>
-</p:notes>
-</file>
-
-<file path=ppt/notesSlides/notesSlide5.xml><?xml version="1.0" encoding="utf-8"?>
-<p:notes xmlns:a="http://schemas.openxmlformats.org/drawingml/2006/main" xmlns:r="http://schemas.openxmlformats.org/officeDocument/2006/relationships" xmlns:p="http://schemas.openxmlformats.org/presentationml/2006/main">
-  <p:cSld>
-    <p:spTree>
-      <p:nvGrpSpPr>
-        <p:cNvPr id="1" name=""/>
-        <p:cNvGrpSpPr/>
-        <p:nvPr/>
-      </p:nvGrpSpPr>
-      <p:grpSpPr>
-        <a:xfrm>
-          <a:off x="0" y="0"/>
-          <a:ext cx="0" cy="0"/>
-          <a:chOff x="0" y="0"/>
-          <a:chExt cx="0" cy="0"/>
-        </a:xfrm>
-      </p:grpSpPr>
-      <p:sp>
-        <p:nvSpPr>
-          <p:cNvPr id="2" name="Slide Image Placeholder 1"/>
-          <p:cNvSpPr>
-            <a:spLocks noGrp="1" noRot="1" noChangeAspect="1"/>
-          </p:cNvSpPr>
-          <p:nvPr>
-            <p:ph type="sldImg"/>
-          </p:nvPr>
-        </p:nvSpPr>
-        <p:spPr/>
-      </p:sp>
-      <p:sp>
-        <p:nvSpPr>
-          <p:cNvPr id="3" name="Notes Placeholder 2"/>
-          <p:cNvSpPr>
-            <a:spLocks noGrp="1"/>
-          </p:cNvSpPr>
-          <p:nvPr>
-            <p:ph type="body" idx="1"/>
-          </p:nvPr>
-        </p:nvSpPr>
-        <p:spPr/>
-        <p:txBody>
-          <a:bodyPr/>
-          <a:lstStyle/>
-          <a:p>
-            <a:endParaRPr lang="en-US" dirty="0"/>
-          </a:p>
-        </p:txBody>
-      </p:sp>
-      <p:sp>
-        <p:nvSpPr>
-          <p:cNvPr id="4" name="Slide Number Placeholder 3"/>
-          <p:cNvSpPr>
-            <a:spLocks noGrp="1"/>
-          </p:cNvSpPr>
-          <p:nvPr>
-            <p:ph type="sldNum" sz="quarter" idx="5"/>
-          </p:nvPr>
-        </p:nvSpPr>
-        <p:spPr/>
-        <p:txBody>
-          <a:bodyPr/>
-          <a:lstStyle/>
-          <a:p>
-            <a:fld id="{FFB500C5-13F7-48FC-8160-C29AECF6C602}" type="slidenum">
-              <a:rPr lang="en-US" smtClean="0"/>
-              <a:t>6</a:t>
-            </a:fld>
-            <a:endParaRPr lang="en-US"/>
-          </a:p>
-        </p:txBody>
-      </p:sp>
-    </p:spTree>
-    <p:extLst>
-      <p:ext uri="{BB962C8B-B14F-4D97-AF65-F5344CB8AC3E}">
-        <p14:creationId xmlns:p14="http://schemas.microsoft.com/office/powerpoint/2010/main" val="3625376761"/>
-      </p:ext>
-    </p:extLst>
-  </p:cSld>
-  <p:clrMapOvr>
-    <a:masterClrMapping/>
-  </p:clrMapOvr>
-</p:notes>
-</file>
-
-<file path=ppt/notesSlides/notesSlide6.xml><?xml version="1.0" encoding="utf-8"?>
-<p:notes xmlns:a="http://schemas.openxmlformats.org/drawingml/2006/main" xmlns:r="http://schemas.openxmlformats.org/officeDocument/2006/relationships" xmlns:p="http://schemas.openxmlformats.org/presentationml/2006/main">
-  <p:cSld>
-    <p:spTree>
-      <p:nvGrpSpPr>
-        <p:cNvPr id="1" name=""/>
-        <p:cNvGrpSpPr/>
-        <p:nvPr/>
-      </p:nvGrpSpPr>
-      <p:grpSpPr>
-        <a:xfrm>
-          <a:off x="0" y="0"/>
-          <a:ext cx="0" cy="0"/>
-          <a:chOff x="0" y="0"/>
-          <a:chExt cx="0" cy="0"/>
-        </a:xfrm>
-      </p:grpSpPr>
-      <p:sp>
-        <p:nvSpPr>
-          <p:cNvPr id="2" name="Slide Image Placeholder 1"/>
-          <p:cNvSpPr>
-            <a:spLocks noGrp="1" noRot="1" noChangeAspect="1"/>
-          </p:cNvSpPr>
-          <p:nvPr>
-            <p:ph type="sldImg"/>
-          </p:nvPr>
-        </p:nvSpPr>
-        <p:spPr/>
-      </p:sp>
-      <p:sp>
-        <p:nvSpPr>
-          <p:cNvPr id="3" name="Notes Placeholder 2"/>
-          <p:cNvSpPr>
-            <a:spLocks noGrp="1"/>
-          </p:cNvSpPr>
-          <p:nvPr>
-            <p:ph type="body" idx="1"/>
-          </p:nvPr>
-        </p:nvSpPr>
-        <p:spPr/>
-        <p:txBody>
-          <a:bodyPr/>
-          <a:lstStyle/>
-          <a:p>
-            <a:r>
-              <a:rPr lang="en-US" dirty="0"/>
-              <a:t>Any questions on descriptive statistics? </a:t>
-            </a:r>
-          </a:p>
-        </p:txBody>
-      </p:sp>
-      <p:sp>
-        <p:nvSpPr>
-          <p:cNvPr id="4" name="Slide Number Placeholder 3"/>
-          <p:cNvSpPr>
-            <a:spLocks noGrp="1"/>
-          </p:cNvSpPr>
-          <p:nvPr>
-            <p:ph type="sldNum" sz="quarter" idx="5"/>
-          </p:nvPr>
-        </p:nvSpPr>
-        <p:spPr/>
-        <p:txBody>
-          <a:bodyPr/>
-          <a:lstStyle/>
-          <a:p>
-            <a:fld id="{FFB500C5-13F7-48FC-8160-C29AECF6C602}" type="slidenum">
-              <a:rPr lang="en-US" smtClean="0"/>
-              <a:t>12</a:t>
-            </a:fld>
-            <a:endParaRPr lang="en-US"/>
-          </a:p>
-        </p:txBody>
-      </p:sp>
-    </p:spTree>
-    <p:extLst>
-      <p:ext uri="{BB962C8B-B14F-4D97-AF65-F5344CB8AC3E}">
-        <p14:creationId xmlns:p14="http://schemas.microsoft.com/office/powerpoint/2010/main" val="746477125"/>
+        <p14:creationId xmlns:p14="http://schemas.microsoft.com/office/powerpoint/2010/main" val="3652495945"/>
       </p:ext>
     </p:extLst>
   </p:cSld>
@@ -1215,7 +1054,7 @@
             <a:fld id="{1D8BD707-D9CF-40AE-B4C6-C98DA3205C09}" type="datetimeFigureOut">
               <a:rPr lang="en-US" smtClean="0"/>
               <a:pPr/>
-              <a:t>8/28/2023</a:t>
+              <a:t>9/26/2024</a:t>
             </a:fld>
             <a:endParaRPr lang="en-US"/>
           </a:p>
@@ -1380,7 +1219,7 @@
             <a:fld id="{1D8BD707-D9CF-40AE-B4C6-C98DA3205C09}" type="datetimeFigureOut">
               <a:rPr lang="en-US" smtClean="0"/>
               <a:pPr/>
-              <a:t>8/28/2023</a:t>
+              <a:t>9/26/2024</a:t>
             </a:fld>
             <a:endParaRPr lang="en-US"/>
           </a:p>
@@ -1555,7 +1394,7 @@
             <a:fld id="{1D8BD707-D9CF-40AE-B4C6-C98DA3205C09}" type="datetimeFigureOut">
               <a:rPr lang="en-US" smtClean="0"/>
               <a:pPr/>
-              <a:t>8/28/2023</a:t>
+              <a:t>9/26/2024</a:t>
             </a:fld>
             <a:endParaRPr lang="en-US"/>
           </a:p>
@@ -1720,7 +1559,7 @@
             <a:fld id="{1D8BD707-D9CF-40AE-B4C6-C98DA3205C09}" type="datetimeFigureOut">
               <a:rPr lang="en-US" smtClean="0"/>
               <a:pPr/>
-              <a:t>8/28/2023</a:t>
+              <a:t>9/26/2024</a:t>
             </a:fld>
             <a:endParaRPr lang="en-US"/>
           </a:p>
@@ -1962,7 +1801,7 @@
             <a:fld id="{1D8BD707-D9CF-40AE-B4C6-C98DA3205C09}" type="datetimeFigureOut">
               <a:rPr lang="en-US" smtClean="0"/>
               <a:pPr/>
-              <a:t>8/28/2023</a:t>
+              <a:t>9/26/2024</a:t>
             </a:fld>
             <a:endParaRPr lang="en-US"/>
           </a:p>
@@ -2244,7 +2083,7 @@
             <a:fld id="{1D8BD707-D9CF-40AE-B4C6-C98DA3205C09}" type="datetimeFigureOut">
               <a:rPr lang="en-US" smtClean="0"/>
               <a:pPr/>
-              <a:t>8/28/2023</a:t>
+              <a:t>9/26/2024</a:t>
             </a:fld>
             <a:endParaRPr lang="en-US"/>
           </a:p>
@@ -2660,7 +2499,7 @@
             <a:fld id="{1D8BD707-D9CF-40AE-B4C6-C98DA3205C09}" type="datetimeFigureOut">
               <a:rPr lang="en-US" smtClean="0"/>
               <a:pPr/>
-              <a:t>8/28/2023</a:t>
+              <a:t>9/26/2024</a:t>
             </a:fld>
             <a:endParaRPr lang="en-US"/>
           </a:p>
@@ -2774,7 +2613,7 @@
             <a:fld id="{1D8BD707-D9CF-40AE-B4C6-C98DA3205C09}" type="datetimeFigureOut">
               <a:rPr lang="en-US" smtClean="0"/>
               <a:pPr/>
-              <a:t>8/28/2023</a:t>
+              <a:t>9/26/2024</a:t>
             </a:fld>
             <a:endParaRPr lang="en-US"/>
           </a:p>
@@ -2866,7 +2705,7 @@
             <a:fld id="{1D8BD707-D9CF-40AE-B4C6-C98DA3205C09}" type="datetimeFigureOut">
               <a:rPr lang="en-US" smtClean="0"/>
               <a:pPr/>
-              <a:t>8/28/2023</a:t>
+              <a:t>9/26/2024</a:t>
             </a:fld>
             <a:endParaRPr lang="en-US"/>
           </a:p>
@@ -3138,7 +2977,7 @@
             <a:fld id="{1D8BD707-D9CF-40AE-B4C6-C98DA3205C09}" type="datetimeFigureOut">
               <a:rPr lang="en-US" smtClean="0"/>
               <a:pPr/>
-              <a:t>8/28/2023</a:t>
+              <a:t>9/26/2024</a:t>
             </a:fld>
             <a:endParaRPr lang="en-US"/>
           </a:p>
@@ -3387,7 +3226,7 @@
             <a:fld id="{1D8BD707-D9CF-40AE-B4C6-C98DA3205C09}" type="datetimeFigureOut">
               <a:rPr lang="en-US" smtClean="0"/>
               <a:pPr/>
-              <a:t>8/28/2023</a:t>
+              <a:t>9/26/2024</a:t>
             </a:fld>
             <a:endParaRPr lang="en-US"/>
           </a:p>
@@ -3600,7 +3439,7 @@
             <a:fld id="{1D8BD707-D9CF-40AE-B4C6-C98DA3205C09}" type="datetimeFigureOut">
               <a:rPr lang="en-US" smtClean="0"/>
               <a:pPr/>
-              <a:t>8/28/2023</a:t>
+              <a:t>9/26/2024</a:t>
             </a:fld>
             <a:endParaRPr lang="en-US"/>
           </a:p>
@@ -4045,696 +3884,6 @@
 </p:sld>
 </file>
 
-<file path=ppt/slides/slide10.xml><?xml version="1.0" encoding="utf-8"?>
-<p:sld xmlns:a="http://schemas.openxmlformats.org/drawingml/2006/main" xmlns:r="http://schemas.openxmlformats.org/officeDocument/2006/relationships" xmlns:p="http://schemas.openxmlformats.org/presentationml/2006/main">
-  <p:cSld>
-    <p:spTree>
-      <p:nvGrpSpPr>
-        <p:cNvPr id="1" name=""/>
-        <p:cNvGrpSpPr/>
-        <p:nvPr/>
-      </p:nvGrpSpPr>
-      <p:grpSpPr>
-        <a:xfrm>
-          <a:off x="0" y="0"/>
-          <a:ext cx="0" cy="0"/>
-          <a:chOff x="0" y="0"/>
-          <a:chExt cx="0" cy="0"/>
-        </a:xfrm>
-      </p:grpSpPr>
-      <p:sp>
-        <p:nvSpPr>
-          <p:cNvPr id="4" name="Rectangle 3"/>
-          <p:cNvSpPr/>
-          <p:nvPr/>
-        </p:nvSpPr>
-        <p:spPr>
-          <a:xfrm>
-            <a:off x="9861630" y="0"/>
-            <a:ext cx="8426370" cy="10287000"/>
-          </a:xfrm>
-          <a:prstGeom prst="rect">
-            <a:avLst/>
-          </a:prstGeom>
-          <a:solidFill>
-            <a:srgbClr val="CF3338"/>
-          </a:solidFill>
-          <a:ln>
-            <a:noFill/>
-          </a:ln>
-        </p:spPr>
-        <p:style>
-          <a:lnRef idx="2">
-            <a:schemeClr val="accent1">
-              <a:shade val="50000"/>
-            </a:schemeClr>
-          </a:lnRef>
-          <a:fillRef idx="1">
-            <a:schemeClr val="accent1"/>
-          </a:fillRef>
-          <a:effectRef idx="0">
-            <a:schemeClr val="accent1"/>
-          </a:effectRef>
-          <a:fontRef idx="minor">
-            <a:schemeClr val="lt1"/>
-          </a:fontRef>
-        </p:style>
-        <p:txBody>
-          <a:bodyPr rtlCol="0" anchor="ctr"/>
-          <a:lstStyle/>
-          <a:p>
-            <a:pPr algn="ctr"/>
-            <a:endParaRPr lang="en-US" sz="2700"/>
-          </a:p>
-        </p:txBody>
-      </p:sp>
-      <p:pic>
-        <p:nvPicPr>
-          <p:cNvPr id="2" name="Picture 1"/>
-          <p:cNvPicPr>
-            <a:picLocks noChangeAspect="1"/>
-          </p:cNvPicPr>
-          <p:nvPr/>
-        </p:nvPicPr>
-        <p:blipFill rotWithShape="1">
-          <a:blip r:embed="rId2">
-            <a:extLst>
-              <a:ext uri="{28A0092B-C50C-407E-A947-70E740481C1C}">
-                <a14:useLocalDpi xmlns:a14="http://schemas.microsoft.com/office/drawing/2010/main" val="0"/>
-              </a:ext>
-            </a:extLst>
-          </a:blip>
-          <a:srcRect l="69227" t="33418" r="20112" b="50548"/>
-          <a:stretch/>
-        </p:blipFill>
-        <p:spPr>
-          <a:xfrm>
-            <a:off x="15579524" y="7544693"/>
-            <a:ext cx="2708477" cy="2987579"/>
-          </a:xfrm>
-          <a:prstGeom prst="rect">
-            <a:avLst/>
-          </a:prstGeom>
-        </p:spPr>
-      </p:pic>
-      <p:sp>
-        <p:nvSpPr>
-          <p:cNvPr id="3" name="TextBox 2"/>
-          <p:cNvSpPr txBox="1"/>
-          <p:nvPr/>
-        </p:nvSpPr>
-        <p:spPr>
-          <a:xfrm>
-            <a:off x="260431" y="329879"/>
-            <a:ext cx="9432824" cy="9048631"/>
-          </a:xfrm>
-          <a:prstGeom prst="rect">
-            <a:avLst/>
-          </a:prstGeom>
-          <a:noFill/>
-        </p:spPr>
-        <p:txBody>
-          <a:bodyPr wrap="square" rtlCol="0">
-            <a:spAutoFit/>
-          </a:bodyPr>
-          <a:lstStyle/>
-          <a:p>
-            <a:r>
-              <a:rPr lang="en-US" sz="6000" b="1" i="1" dirty="0">
-                <a:solidFill>
-                  <a:srgbClr val="CF3338"/>
-                </a:solidFill>
-                <a:latin typeface="Pragmatica" panose="020B0403040502020204" pitchFamily="34" charset="0"/>
-              </a:rPr>
-              <a:t>Modern Data Analytics in Excel</a:t>
-            </a:r>
-          </a:p>
-          <a:p>
-            <a:endParaRPr lang="en-US" sz="6000" b="1" i="1" dirty="0">
-              <a:solidFill>
-                <a:srgbClr val="CF3338"/>
-              </a:solidFill>
-              <a:latin typeface="Pragmatica" panose="020B0403040502020204" pitchFamily="34" charset="0"/>
-            </a:endParaRPr>
-          </a:p>
-          <a:p>
-            <a:endParaRPr lang="en-US" sz="6000" dirty="0">
-              <a:solidFill>
-                <a:srgbClr val="CF3338"/>
-              </a:solidFill>
-              <a:latin typeface="Pragmatica" panose="020B0403040502020204" pitchFamily="34" charset="0"/>
-            </a:endParaRPr>
-          </a:p>
-          <a:p>
-            <a:endParaRPr lang="en-US" sz="6000" dirty="0">
-              <a:solidFill>
-                <a:srgbClr val="CF3338"/>
-              </a:solidFill>
-              <a:latin typeface="Pragmatica" panose="020B0403040502020204" pitchFamily="34" charset="0"/>
-            </a:endParaRPr>
-          </a:p>
-          <a:p>
-            <a:endParaRPr lang="en-US" sz="6000" dirty="0">
-              <a:solidFill>
-                <a:srgbClr val="CF3338"/>
-              </a:solidFill>
-              <a:latin typeface="Pragmatica" panose="020B0403040502020204" pitchFamily="34" charset="0"/>
-            </a:endParaRPr>
-          </a:p>
-          <a:p>
-            <a:endParaRPr lang="en-US" sz="6000" dirty="0">
-              <a:solidFill>
-                <a:srgbClr val="CF3338"/>
-              </a:solidFill>
-              <a:latin typeface="Pragmatica" panose="020B0403040502020204" pitchFamily="34" charset="0"/>
-            </a:endParaRPr>
-          </a:p>
-          <a:p>
-            <a:endParaRPr lang="en-US" sz="6000" dirty="0">
-              <a:solidFill>
-                <a:srgbClr val="CF3338"/>
-              </a:solidFill>
-              <a:latin typeface="Pragmatica" panose="020B0403040502020204" pitchFamily="34" charset="0"/>
-            </a:endParaRPr>
-          </a:p>
-          <a:p>
-            <a:r>
-              <a:rPr lang="en-US" sz="6000" dirty="0">
-                <a:solidFill>
-                  <a:srgbClr val="CF3338"/>
-                </a:solidFill>
-                <a:latin typeface="Pragmatica" panose="020B0403040502020204" pitchFamily="34" charset="0"/>
-              </a:rPr>
-              <a:t>Available in early release: </a:t>
-            </a:r>
-            <a:r>
-              <a:rPr lang="en-US" sz="4200" dirty="0">
-                <a:latin typeface="Pragmatica" panose="020B0403040502020204" pitchFamily="34" charset="0"/>
-                <a:hlinkClick r:id="rId3">
-                  <a:extLst>
-                    <a:ext uri="{A12FA001-AC4F-418D-AE19-62706E023703}">
-                      <ahyp:hlinkClr xmlns:ahyp="http://schemas.microsoft.com/office/drawing/2018/hyperlinkcolor" val="tx"/>
-                    </a:ext>
-                  </a:extLst>
-                </a:hlinkClick>
-              </a:rPr>
-              <a:t>https://stringfestanalytics.com/maxl/</a:t>
-            </a:r>
-            <a:r>
-              <a:rPr lang="en-US" sz="4200" dirty="0">
-                <a:latin typeface="Pragmatica" panose="020B0403040502020204" pitchFamily="34" charset="0"/>
-              </a:rPr>
-              <a:t>  </a:t>
-            </a:r>
-            <a:endParaRPr lang="en-US" sz="6000" dirty="0">
-              <a:latin typeface="Pragmatica" panose="020B0403040502020204" pitchFamily="34" charset="0"/>
-            </a:endParaRPr>
-          </a:p>
-        </p:txBody>
-      </p:sp>
-      <p:pic>
-        <p:nvPicPr>
-          <p:cNvPr id="1026" name="Picture 2" descr="Modern analytics in Excel cover ">
-            <a:extLst>
-              <a:ext uri="{FF2B5EF4-FFF2-40B4-BE49-F238E27FC236}">
-                <a16:creationId xmlns:a16="http://schemas.microsoft.com/office/drawing/2014/main" id="{A5A802EA-8E14-7D50-3D79-28EFA72A604E}"/>
-              </a:ext>
-            </a:extLst>
-          </p:cNvPr>
-          <p:cNvPicPr>
-            <a:picLocks noChangeAspect="1" noChangeArrowheads="1"/>
-          </p:cNvPicPr>
-          <p:nvPr/>
-        </p:nvPicPr>
-        <p:blipFill>
-          <a:blip r:embed="rId4">
-            <a:extLst>
-              <a:ext uri="{28A0092B-C50C-407E-A947-70E740481C1C}">
-                <a14:useLocalDpi xmlns:a14="http://schemas.microsoft.com/office/drawing/2010/main" val="0"/>
-              </a:ext>
-            </a:extLst>
-          </a:blip>
-          <a:srcRect/>
-          <a:stretch>
-            <a:fillRect/>
-          </a:stretch>
-        </p:blipFill>
-        <p:spPr bwMode="auto">
-          <a:xfrm>
-            <a:off x="10769516" y="923560"/>
-            <a:ext cx="5715000" cy="7500938"/>
-          </a:xfrm>
-          <a:prstGeom prst="rect">
-            <a:avLst/>
-          </a:prstGeom>
-          <a:noFill/>
-          <a:extLst>
-            <a:ext uri="{909E8E84-426E-40DD-AFC4-6F175D3DCCD1}">
-              <a14:hiddenFill xmlns:a14="http://schemas.microsoft.com/office/drawing/2010/main">
-                <a:solidFill>
-                  <a:srgbClr val="FFFFFF"/>
-                </a:solidFill>
-              </a14:hiddenFill>
-            </a:ext>
-          </a:extLst>
-        </p:spPr>
-      </p:pic>
-    </p:spTree>
-    <p:extLst>
-      <p:ext uri="{BB962C8B-B14F-4D97-AF65-F5344CB8AC3E}">
-        <p14:creationId xmlns:p14="http://schemas.microsoft.com/office/powerpoint/2010/main" val="3588636196"/>
-      </p:ext>
-    </p:extLst>
-  </p:cSld>
-  <p:clrMapOvr>
-    <a:masterClrMapping/>
-  </p:clrMapOvr>
-</p:sld>
-</file>
-
-<file path=ppt/slides/slide11.xml><?xml version="1.0" encoding="utf-8"?>
-<p:sld xmlns:a="http://schemas.openxmlformats.org/drawingml/2006/main" xmlns:r="http://schemas.openxmlformats.org/officeDocument/2006/relationships" xmlns:p="http://schemas.openxmlformats.org/presentationml/2006/main">
-  <p:cSld>
-    <p:spTree>
-      <p:nvGrpSpPr>
-        <p:cNvPr id="1" name=""/>
-        <p:cNvGrpSpPr/>
-        <p:nvPr/>
-      </p:nvGrpSpPr>
-      <p:grpSpPr>
-        <a:xfrm>
-          <a:off x="0" y="0"/>
-          <a:ext cx="0" cy="0"/>
-          <a:chOff x="0" y="0"/>
-          <a:chExt cx="0" cy="0"/>
-        </a:xfrm>
-      </p:grpSpPr>
-      <p:sp>
-        <p:nvSpPr>
-          <p:cNvPr id="4" name="Rectangle 3"/>
-          <p:cNvSpPr/>
-          <p:nvPr/>
-        </p:nvSpPr>
-        <p:spPr>
-          <a:xfrm>
-            <a:off x="9861630" y="0"/>
-            <a:ext cx="8426370" cy="10287000"/>
-          </a:xfrm>
-          <a:prstGeom prst="rect">
-            <a:avLst/>
-          </a:prstGeom>
-          <a:solidFill>
-            <a:srgbClr val="CF3338"/>
-          </a:solidFill>
-          <a:ln>
-            <a:noFill/>
-          </a:ln>
-        </p:spPr>
-        <p:style>
-          <a:lnRef idx="2">
-            <a:schemeClr val="accent1">
-              <a:shade val="50000"/>
-            </a:schemeClr>
-          </a:lnRef>
-          <a:fillRef idx="1">
-            <a:schemeClr val="accent1"/>
-          </a:fillRef>
-          <a:effectRef idx="0">
-            <a:schemeClr val="accent1"/>
-          </a:effectRef>
-          <a:fontRef idx="minor">
-            <a:schemeClr val="lt1"/>
-          </a:fontRef>
-        </p:style>
-        <p:txBody>
-          <a:bodyPr rtlCol="0" anchor="ctr"/>
-          <a:lstStyle/>
-          <a:p>
-            <a:pPr algn="ctr"/>
-            <a:endParaRPr lang="en-US" sz="2700"/>
-          </a:p>
-        </p:txBody>
-      </p:sp>
-      <p:pic>
-        <p:nvPicPr>
-          <p:cNvPr id="2" name="Picture 1"/>
-          <p:cNvPicPr>
-            <a:picLocks noChangeAspect="1"/>
-          </p:cNvPicPr>
-          <p:nvPr/>
-        </p:nvPicPr>
-        <p:blipFill rotWithShape="1">
-          <a:blip r:embed="rId2">
-            <a:extLst>
-              <a:ext uri="{28A0092B-C50C-407E-A947-70E740481C1C}">
-                <a14:useLocalDpi xmlns:a14="http://schemas.microsoft.com/office/drawing/2010/main" val="0"/>
-              </a:ext>
-            </a:extLst>
-          </a:blip>
-          <a:srcRect l="69227" t="33418" r="20112" b="50548"/>
-          <a:stretch/>
-        </p:blipFill>
-        <p:spPr>
-          <a:xfrm>
-            <a:off x="15579524" y="7544693"/>
-            <a:ext cx="2708477" cy="2987579"/>
-          </a:xfrm>
-          <a:prstGeom prst="rect">
-            <a:avLst/>
-          </a:prstGeom>
-        </p:spPr>
-      </p:pic>
-      <p:sp>
-        <p:nvSpPr>
-          <p:cNvPr id="3" name="TextBox 2"/>
-          <p:cNvSpPr txBox="1"/>
-          <p:nvPr/>
-        </p:nvSpPr>
-        <p:spPr>
-          <a:xfrm>
-            <a:off x="260431" y="329879"/>
-            <a:ext cx="9432824" cy="4524315"/>
-          </a:xfrm>
-          <a:prstGeom prst="rect">
-            <a:avLst/>
-          </a:prstGeom>
-          <a:noFill/>
-        </p:spPr>
-        <p:txBody>
-          <a:bodyPr wrap="square" rtlCol="0">
-            <a:spAutoFit/>
-          </a:bodyPr>
-          <a:lstStyle/>
-          <a:p>
-            <a:r>
-              <a:rPr lang="en-US" sz="6000" b="1" dirty="0">
-                <a:solidFill>
-                  <a:srgbClr val="CF3338"/>
-                </a:solidFill>
-                <a:latin typeface="Pragmatica" panose="020B0403040502020204" pitchFamily="34" charset="0"/>
-              </a:rPr>
-              <a:t>Join my </a:t>
-            </a:r>
-            <a:r>
-              <a:rPr lang="en-US" sz="6000" b="1" dirty="0" err="1">
-                <a:solidFill>
-                  <a:srgbClr val="CF3338"/>
-                </a:solidFill>
-                <a:latin typeface="Pragmatica" panose="020B0403040502020204" pitchFamily="34" charset="0"/>
-              </a:rPr>
-              <a:t>Patreon</a:t>
-            </a:r>
-            <a:endParaRPr lang="en-US" sz="6000" b="1" dirty="0">
-              <a:solidFill>
-                <a:srgbClr val="CF3338"/>
-              </a:solidFill>
-              <a:latin typeface="Pragmatica" panose="020B0403040502020204" pitchFamily="34" charset="0"/>
-            </a:endParaRPr>
-          </a:p>
-          <a:p>
-            <a:endParaRPr lang="en-US" sz="6000" b="1" i="1" dirty="0">
-              <a:solidFill>
-                <a:srgbClr val="CF3338"/>
-              </a:solidFill>
-              <a:latin typeface="Pragmatica" panose="020B0403040502020204" pitchFamily="34" charset="0"/>
-            </a:endParaRPr>
-          </a:p>
-          <a:p>
-            <a:pPr marL="685800" indent="-685800">
-              <a:buFont typeface="Arial" panose="020B0604020202020204" pitchFamily="34" charset="0"/>
-              <a:buChar char="•"/>
-            </a:pPr>
-            <a:r>
-              <a:rPr lang="en-US" sz="4200" dirty="0">
-                <a:latin typeface="Pragmatica" panose="020B0403040502020204" pitchFamily="34" charset="0"/>
-                <a:hlinkClick r:id="rId3">
-                  <a:extLst>
-                    <a:ext uri="{A12FA001-AC4F-418D-AE19-62706E023703}">
-                      <ahyp:hlinkClr xmlns:ahyp="http://schemas.microsoft.com/office/drawing/2018/hyperlinkcolor" val="tx"/>
-                    </a:ext>
-                  </a:extLst>
-                </a:hlinkClick>
-              </a:rPr>
-              <a:t>https://social.stringfestanalytics.com/patreon</a:t>
-            </a:r>
-            <a:r>
-              <a:rPr lang="en-US" sz="4200" dirty="0">
-                <a:latin typeface="Pragmatica" panose="020B0403040502020204" pitchFamily="34" charset="0"/>
-              </a:rPr>
-              <a:t>  </a:t>
-            </a:r>
-          </a:p>
-          <a:p>
-            <a:pPr marL="685800" indent="-685800">
-              <a:buFont typeface="Arial" panose="020B0604020202020204" pitchFamily="34" charset="0"/>
-              <a:buChar char="•"/>
-            </a:pPr>
-            <a:r>
-              <a:rPr lang="en-US" sz="4200" dirty="0">
-                <a:latin typeface="Pragmatica" panose="020B0403040502020204" pitchFamily="34" charset="0"/>
-              </a:rPr>
-              <a:t>Get lifetime access to all past webinar recordings &amp; downloads</a:t>
-            </a:r>
-            <a:endParaRPr lang="en-US" sz="6000" dirty="0">
-              <a:latin typeface="Pragmatica" panose="020B0403040502020204" pitchFamily="34" charset="0"/>
-            </a:endParaRPr>
-          </a:p>
-        </p:txBody>
-      </p:sp>
-    </p:spTree>
-    <p:extLst>
-      <p:ext uri="{BB962C8B-B14F-4D97-AF65-F5344CB8AC3E}">
-        <p14:creationId xmlns:p14="http://schemas.microsoft.com/office/powerpoint/2010/main" val="801538824"/>
-      </p:ext>
-    </p:extLst>
-  </p:cSld>
-  <p:clrMapOvr>
-    <a:masterClrMapping/>
-  </p:clrMapOvr>
-</p:sld>
-</file>
-
-<file path=ppt/slides/slide12.xml><?xml version="1.0" encoding="utf-8"?>
-<p:sld xmlns:a="http://schemas.openxmlformats.org/drawingml/2006/main" xmlns:r="http://schemas.openxmlformats.org/officeDocument/2006/relationships" xmlns:p="http://schemas.openxmlformats.org/presentationml/2006/main">
-  <p:cSld>
-    <p:spTree>
-      <p:nvGrpSpPr>
-        <p:cNvPr id="1" name=""/>
-        <p:cNvGrpSpPr/>
-        <p:nvPr/>
-      </p:nvGrpSpPr>
-      <p:grpSpPr>
-        <a:xfrm>
-          <a:off x="0" y="0"/>
-          <a:ext cx="0" cy="0"/>
-          <a:chOff x="0" y="0"/>
-          <a:chExt cx="0" cy="0"/>
-        </a:xfrm>
-      </p:grpSpPr>
-      <p:pic>
-        <p:nvPicPr>
-          <p:cNvPr id="8" name="Picture 8"/>
-          <p:cNvPicPr>
-            <a:picLocks noChangeAspect="1"/>
-          </p:cNvPicPr>
-          <p:nvPr/>
-        </p:nvPicPr>
-        <p:blipFill>
-          <a:blip r:embed="rId3"/>
-          <a:srcRect/>
-          <a:stretch>
-            <a:fillRect/>
-          </a:stretch>
-        </p:blipFill>
-        <p:spPr>
-          <a:xfrm>
-            <a:off x="16459201" y="-99078"/>
-            <a:ext cx="2005784" cy="1470491"/>
-          </a:xfrm>
-          <a:prstGeom prst="rect">
-            <a:avLst/>
-          </a:prstGeom>
-        </p:spPr>
-      </p:pic>
-      <p:sp>
-        <p:nvSpPr>
-          <p:cNvPr id="9" name="TextBox 9"/>
-          <p:cNvSpPr txBox="1"/>
-          <p:nvPr/>
-        </p:nvSpPr>
-        <p:spPr>
-          <a:xfrm>
-            <a:off x="838200" y="617118"/>
-            <a:ext cx="15631206" cy="1209818"/>
-          </a:xfrm>
-          <a:prstGeom prst="rect">
-            <a:avLst/>
-          </a:prstGeom>
-        </p:spPr>
-        <p:txBody>
-          <a:bodyPr wrap="square" lIns="0" tIns="0" rIns="0" bIns="0" rtlCol="0" anchor="t">
-            <a:spAutoFit/>
-          </a:bodyPr>
-          <a:lstStyle/>
-          <a:p>
-            <a:pPr>
-              <a:lnSpc>
-                <a:spcPts val="10080"/>
-              </a:lnSpc>
-              <a:spcBef>
-                <a:spcPct val="0"/>
-              </a:spcBef>
-            </a:pPr>
-            <a:r>
-              <a:rPr lang="en-US" sz="7200" dirty="0">
-                <a:solidFill>
-                  <a:srgbClr val="000000"/>
-                </a:solidFill>
-                <a:latin typeface="Open Sans Extra Bold"/>
-              </a:rPr>
-              <a:t>FINAL QUESTIONS?</a:t>
-            </a:r>
-          </a:p>
-        </p:txBody>
-      </p:sp>
-      <p:pic>
-        <p:nvPicPr>
-          <p:cNvPr id="5" name="Picture 6">
-            <a:extLst>
-              <a:ext uri="{FF2B5EF4-FFF2-40B4-BE49-F238E27FC236}">
-                <a16:creationId xmlns:a16="http://schemas.microsoft.com/office/drawing/2014/main" id="{01C401A0-8EBC-47CA-B2DE-F204DE6EEF54}"/>
-              </a:ext>
-            </a:extLst>
-          </p:cNvPr>
-          <p:cNvPicPr>
-            <a:picLocks noChangeAspect="1"/>
-          </p:cNvPicPr>
-          <p:nvPr/>
-        </p:nvPicPr>
-        <p:blipFill>
-          <a:blip r:embed="rId4"/>
-          <a:srcRect b="44190"/>
-          <a:stretch>
-            <a:fillRect/>
-          </a:stretch>
-        </p:blipFill>
-        <p:spPr>
-          <a:xfrm>
-            <a:off x="16095121" y="9265256"/>
-            <a:ext cx="2013122" cy="823680"/>
-          </a:xfrm>
-          <a:prstGeom prst="rect">
-            <a:avLst/>
-          </a:prstGeom>
-        </p:spPr>
-      </p:pic>
-      <p:sp>
-        <p:nvSpPr>
-          <p:cNvPr id="6" name="TextBox 5">
-            <a:extLst>
-              <a:ext uri="{FF2B5EF4-FFF2-40B4-BE49-F238E27FC236}">
-                <a16:creationId xmlns:a16="http://schemas.microsoft.com/office/drawing/2014/main" id="{B72B56F1-579F-4CEC-BF86-0455EEB5C6F1}"/>
-              </a:ext>
-            </a:extLst>
-          </p:cNvPr>
-          <p:cNvSpPr txBox="1"/>
-          <p:nvPr/>
-        </p:nvSpPr>
-        <p:spPr>
-          <a:xfrm>
-            <a:off x="857250" y="1943101"/>
-            <a:ext cx="12877800" cy="5633465"/>
-          </a:xfrm>
-          <a:prstGeom prst="rect">
-            <a:avLst/>
-          </a:prstGeom>
-          <a:noFill/>
-        </p:spPr>
-        <p:txBody>
-          <a:bodyPr wrap="square" rtlCol="0">
-            <a:spAutoFit/>
-          </a:bodyPr>
-          <a:lstStyle/>
-          <a:p>
-            <a:r>
-              <a:rPr lang="en-US" sz="4001" dirty="0">
-                <a:latin typeface="Gidole" panose="02000503000000000000" pitchFamily="2" charset="0"/>
-                <a:ea typeface="Roboto Mono" pitchFamily="2" charset="0"/>
-              </a:rPr>
-              <a:t>Thanks for joining! </a:t>
-            </a:r>
-          </a:p>
-          <a:p>
-            <a:endParaRPr lang="en-US" sz="4001" dirty="0">
-              <a:latin typeface="Gidole" panose="02000503000000000000" pitchFamily="2" charset="0"/>
-              <a:ea typeface="Roboto Mono" pitchFamily="2" charset="0"/>
-            </a:endParaRPr>
-          </a:p>
-          <a:p>
-            <a:r>
-              <a:rPr lang="en-US" sz="4001" dirty="0">
-                <a:latin typeface="Gidole" panose="02000503000000000000" pitchFamily="2" charset="0"/>
-                <a:ea typeface="Roboto Mono" pitchFamily="2" charset="0"/>
-              </a:rPr>
-              <a:t>A recap email with recording, survey and more will be coming…</a:t>
-            </a:r>
-          </a:p>
-          <a:p>
-            <a:endParaRPr lang="en-US" sz="4001" dirty="0">
-              <a:latin typeface="Gidole" panose="02000503000000000000" pitchFamily="2" charset="0"/>
-              <a:ea typeface="Roboto Mono" pitchFamily="2" charset="0"/>
-            </a:endParaRPr>
-          </a:p>
-          <a:p>
-            <a:r>
-              <a:rPr lang="en-US" sz="4001" dirty="0">
-                <a:latin typeface="Gidole" panose="02000503000000000000" pitchFamily="2" charset="0"/>
-                <a:ea typeface="Roboto Mono" pitchFamily="2" charset="0"/>
-              </a:rPr>
-              <a:t>The recording stays up for 48 hours, then moves to my </a:t>
-            </a:r>
-            <a:r>
-              <a:rPr lang="en-US" sz="4001" dirty="0" err="1">
-                <a:latin typeface="Gidole" panose="02000503000000000000" pitchFamily="2" charset="0"/>
-                <a:ea typeface="Roboto Mono" pitchFamily="2" charset="0"/>
-              </a:rPr>
-              <a:t>Patreon</a:t>
-            </a:r>
-            <a:endParaRPr lang="en-US" sz="4001" dirty="0">
-              <a:latin typeface="Gidole" panose="02000503000000000000" pitchFamily="2" charset="0"/>
-              <a:ea typeface="Roboto Mono" pitchFamily="2" charset="0"/>
-            </a:endParaRPr>
-          </a:p>
-          <a:p>
-            <a:endParaRPr lang="en-US" sz="4001" dirty="0">
-              <a:latin typeface="Gidole" panose="02000503000000000000" pitchFamily="2" charset="0"/>
-              <a:ea typeface="Roboto Mono" pitchFamily="2" charset="0"/>
-            </a:endParaRPr>
-          </a:p>
-          <a:p>
-            <a:r>
-              <a:rPr lang="en-US" sz="4001" dirty="0">
-                <a:latin typeface="Gidole" panose="02000503000000000000" pitchFamily="2" charset="0"/>
-                <a:ea typeface="Roboto Mono" pitchFamily="2" charset="0"/>
-              </a:rPr>
-              <a:t>I appreciate your reviews &amp; referrals. </a:t>
-            </a:r>
-          </a:p>
-        </p:txBody>
-      </p:sp>
-    </p:spTree>
-    <p:extLst>
-      <p:ext uri="{BB962C8B-B14F-4D97-AF65-F5344CB8AC3E}">
-        <p14:creationId xmlns:p14="http://schemas.microsoft.com/office/powerpoint/2010/main" val="1167863343"/>
-      </p:ext>
-    </p:extLst>
-  </p:cSld>
-  <p:clrMapOvr>
-    <a:masterClrMapping/>
-  </p:clrMapOvr>
-</p:sld>
-</file>
-
 <file path=ppt/slides/slide2.xml><?xml version="1.0" encoding="utf-8"?>
 <p:sld xmlns:a="http://schemas.openxmlformats.org/drawingml/2006/main" xmlns:r="http://schemas.openxmlformats.org/officeDocument/2006/relationships" xmlns:p="http://schemas.openxmlformats.org/presentationml/2006/main">
   <p:cSld>
@@ -4861,8 +4010,8 @@
         </p:blipFill>
         <p:spPr bwMode="auto">
           <a:xfrm>
-            <a:off x="11382233" y="525014"/>
-            <a:ext cx="4246418" cy="5546340"/>
+            <a:off x="13716000" y="4235322"/>
+            <a:ext cx="3049526" cy="3983052"/>
           </a:xfrm>
           <a:prstGeom prst="rect">
             <a:avLst/>
@@ -4908,7 +4057,7 @@
         </p:blipFill>
         <p:spPr bwMode="auto">
           <a:xfrm>
-            <a:off x="1695692" y="2968810"/>
+            <a:off x="2272369" y="3009900"/>
             <a:ext cx="5535359" cy="3684473"/>
           </a:xfrm>
           <a:prstGeom prst="rect">
@@ -4954,7 +4103,7 @@
         </p:blipFill>
         <p:spPr>
           <a:xfrm>
-            <a:off x="7683691" y="6002696"/>
+            <a:off x="10129056" y="6864936"/>
             <a:ext cx="7448309" cy="5462681"/>
           </a:xfrm>
           <a:prstGeom prst="rect">
@@ -4991,8 +4140,102 @@
         </p:blipFill>
         <p:spPr bwMode="auto">
           <a:xfrm>
-            <a:off x="884382" y="7148640"/>
-            <a:ext cx="6799308" cy="2743263"/>
+            <a:off x="884382" y="8065907"/>
+            <a:ext cx="4525818" cy="1825996"/>
+          </a:xfrm>
+          <a:prstGeom prst="rect">
+            <a:avLst/>
+          </a:prstGeom>
+          <a:noFill/>
+          <a:extLst>
+            <a:ext uri="{909E8E84-426E-40DD-AFC4-6F175D3DCCD1}">
+              <a14:hiddenFill xmlns:a14="http://schemas.microsoft.com/office/drawing/2010/main">
+                <a:solidFill>
+                  <a:srgbClr val="FFFFFF"/>
+                </a:solidFill>
+              </a14:hiddenFill>
+            </a:ext>
+          </a:extLst>
+        </p:spPr>
+      </p:pic>
+      <p:pic>
+        <p:nvPicPr>
+          <p:cNvPr id="2" name="Picture 2" descr="Modern data analytics in Excel book cover">
+            <a:extLst>
+              <a:ext uri="{FF2B5EF4-FFF2-40B4-BE49-F238E27FC236}">
+                <a16:creationId xmlns:a16="http://schemas.microsoft.com/office/drawing/2014/main" id="{828713EB-6E40-82E4-1EAD-BE0961DAA54B}"/>
+              </a:ext>
+            </a:extLst>
+          </p:cNvPr>
+          <p:cNvPicPr>
+            <a:picLocks noChangeAspect="1" noChangeArrowheads="1"/>
+          </p:cNvPicPr>
+          <p:nvPr/>
+        </p:nvPicPr>
+        <p:blipFill>
+          <a:blip r:embed="rId6">
+            <a:extLst>
+              <a:ext uri="{28A0092B-C50C-407E-A947-70E740481C1C}">
+                <a14:useLocalDpi xmlns:a14="http://schemas.microsoft.com/office/drawing/2010/main" val="0"/>
+              </a:ext>
+            </a:extLst>
+          </a:blip>
+          <a:srcRect/>
+          <a:stretch>
+            <a:fillRect/>
+          </a:stretch>
+        </p:blipFill>
+        <p:spPr bwMode="auto">
+          <a:xfrm>
+            <a:off x="9601200" y="590309"/>
+            <a:ext cx="3505200" cy="4597100"/>
+          </a:xfrm>
+          <a:prstGeom prst="rect">
+            <a:avLst/>
+          </a:prstGeom>
+          <a:noFill/>
+          <a:extLst>
+            <a:ext uri="{909E8E84-426E-40DD-AFC4-6F175D3DCCD1}">
+              <a14:hiddenFill xmlns:a14="http://schemas.microsoft.com/office/drawing/2010/main">
+                <a:solidFill>
+                  <a:srgbClr val="FFFFFF"/>
+                </a:solidFill>
+              </a14:hiddenFill>
+            </a:ext>
+          </a:extLst>
+        </p:spPr>
+      </p:pic>
+      <p:pic>
+        <p:nvPicPr>
+          <p:cNvPr id="1028" name="Picture 4" descr="No alternative text description for this image">
+            <a:extLst>
+              <a:ext uri="{FF2B5EF4-FFF2-40B4-BE49-F238E27FC236}">
+                <a16:creationId xmlns:a16="http://schemas.microsoft.com/office/drawing/2014/main" id="{CE062F53-CD20-19DE-BEE3-EB8A68AC3078}"/>
+              </a:ext>
+            </a:extLst>
+          </p:cNvPr>
+          <p:cNvPicPr>
+            <a:picLocks noChangeAspect="1" noChangeArrowheads="1"/>
+          </p:cNvPicPr>
+          <p:nvPr/>
+        </p:nvPicPr>
+        <p:blipFill>
+          <a:blip r:embed="rId7">
+            <a:extLst>
+              <a:ext uri="{28A0092B-C50C-407E-A947-70E740481C1C}">
+                <a14:useLocalDpi xmlns:a14="http://schemas.microsoft.com/office/drawing/2010/main" val="0"/>
+              </a:ext>
+            </a:extLst>
+          </a:blip>
+          <a:srcRect/>
+          <a:stretch>
+            <a:fillRect/>
+          </a:stretch>
+        </p:blipFill>
+        <p:spPr bwMode="auto">
+          <a:xfrm>
+            <a:off x="13888031" y="1489279"/>
+            <a:ext cx="3390078" cy="1398407"/>
           </a:xfrm>
           <a:prstGeom prst="rect">
             <a:avLst/>
@@ -5361,556 +4604,6 @@
           <a:chExt cx="0" cy="0"/>
         </a:xfrm>
       </p:grpSpPr>
-      <p:grpSp>
-        <p:nvGrpSpPr>
-          <p:cNvPr id="2" name="Group 2"/>
-          <p:cNvGrpSpPr/>
-          <p:nvPr/>
-        </p:nvGrpSpPr>
-        <p:grpSpPr>
-          <a:xfrm rot="-5400000">
-            <a:off x="10728361" y="2727361"/>
-            <a:ext cx="7565692" cy="7553587"/>
-            <a:chOff x="0" y="0"/>
-            <a:chExt cx="6350000" cy="6339840"/>
-          </a:xfrm>
-        </p:grpSpPr>
-        <p:sp>
-          <p:nvSpPr>
-            <p:cNvPr id="3" name="Freeform 3"/>
-            <p:cNvSpPr/>
-            <p:nvPr/>
-          </p:nvSpPr>
-          <p:spPr>
-            <a:xfrm>
-              <a:off x="0" y="0"/>
-              <a:ext cx="6350000" cy="6339840"/>
-            </a:xfrm>
-            <a:custGeom>
-              <a:avLst/>
-              <a:gdLst/>
-              <a:ahLst/>
-              <a:cxnLst/>
-              <a:rect l="l" t="t" r="r" b="b"/>
-              <a:pathLst>
-                <a:path w="6350000" h="6339840">
-                  <a:moveTo>
-                    <a:pt x="6350000" y="6339840"/>
-                  </a:moveTo>
-                  <a:lnTo>
-                    <a:pt x="0" y="6339840"/>
-                  </a:lnTo>
-                  <a:lnTo>
-                    <a:pt x="0" y="0"/>
-                  </a:lnTo>
-                  <a:close/>
-                </a:path>
-              </a:pathLst>
-            </a:custGeom>
-            <a:solidFill>
-              <a:srgbClr val="CF3338"/>
-            </a:solidFill>
-          </p:spPr>
-          <p:txBody>
-            <a:bodyPr/>
-            <a:lstStyle/>
-            <a:p>
-              <a:endParaRPr lang="en-US"/>
-            </a:p>
-          </p:txBody>
-        </p:sp>
-      </p:grpSp>
-      <p:grpSp>
-        <p:nvGrpSpPr>
-          <p:cNvPr id="4" name="Group 4"/>
-          <p:cNvGrpSpPr/>
-          <p:nvPr/>
-        </p:nvGrpSpPr>
-        <p:grpSpPr>
-          <a:xfrm rot="-10800000">
-            <a:off x="15566406" y="5573199"/>
-            <a:ext cx="5443189" cy="4713801"/>
-            <a:chOff x="0" y="0"/>
-            <a:chExt cx="6350000" cy="5499100"/>
-          </a:xfrm>
-        </p:grpSpPr>
-        <p:sp>
-          <p:nvSpPr>
-            <p:cNvPr id="5" name="Freeform 5"/>
-            <p:cNvSpPr/>
-            <p:nvPr/>
-          </p:nvSpPr>
-          <p:spPr>
-            <a:xfrm>
-              <a:off x="0" y="0"/>
-              <a:ext cx="6350000" cy="5499100"/>
-            </a:xfrm>
-            <a:custGeom>
-              <a:avLst/>
-              <a:gdLst/>
-              <a:ahLst/>
-              <a:cxnLst/>
-              <a:rect l="l" t="t" r="r" b="b"/>
-              <a:pathLst>
-                <a:path w="6350000" h="5499100">
-                  <a:moveTo>
-                    <a:pt x="0" y="5499100"/>
-                  </a:moveTo>
-                  <a:lnTo>
-                    <a:pt x="3175000" y="0"/>
-                  </a:lnTo>
-                  <a:lnTo>
-                    <a:pt x="6350000" y="5499100"/>
-                  </a:lnTo>
-                  <a:close/>
-                </a:path>
-              </a:pathLst>
-            </a:custGeom>
-            <a:solidFill>
-              <a:srgbClr val="3D3935"/>
-            </a:solidFill>
-          </p:spPr>
-          <p:txBody>
-            <a:bodyPr/>
-            <a:lstStyle/>
-            <a:p>
-              <a:endParaRPr lang="en-US"/>
-            </a:p>
-          </p:txBody>
-        </p:sp>
-      </p:grpSp>
-      <p:sp>
-        <p:nvSpPr>
-          <p:cNvPr id="6" name="AutoShape 6"/>
-          <p:cNvSpPr/>
-          <p:nvPr/>
-        </p:nvSpPr>
-        <p:spPr>
-          <a:xfrm>
-            <a:off x="9144000" y="2143604"/>
-            <a:ext cx="9466400" cy="56192"/>
-          </a:xfrm>
-          <a:prstGeom prst="rect">
-            <a:avLst/>
-          </a:prstGeom>
-          <a:solidFill>
-            <a:srgbClr val="000000"/>
-          </a:solidFill>
-        </p:spPr>
-        <p:txBody>
-          <a:bodyPr/>
-          <a:lstStyle/>
-          <a:p>
-            <a:endParaRPr lang="en-US"/>
-          </a:p>
-        </p:txBody>
-      </p:sp>
-      <p:pic>
-        <p:nvPicPr>
-          <p:cNvPr id="7" name="Picture 7"/>
-          <p:cNvPicPr>
-            <a:picLocks noChangeAspect="1"/>
-          </p:cNvPicPr>
-          <p:nvPr/>
-        </p:nvPicPr>
-        <p:blipFill>
-          <a:blip r:embed="rId3"/>
-          <a:srcRect/>
-          <a:stretch>
-            <a:fillRect/>
-          </a:stretch>
-        </p:blipFill>
-        <p:spPr>
-          <a:xfrm>
-            <a:off x="16100583" y="9258300"/>
-            <a:ext cx="2005783" cy="1470490"/>
-          </a:xfrm>
-          <a:prstGeom prst="rect">
-            <a:avLst/>
-          </a:prstGeom>
-        </p:spPr>
-      </p:pic>
-      <p:sp>
-        <p:nvSpPr>
-          <p:cNvPr id="8" name="TextBox 8"/>
-          <p:cNvSpPr txBox="1"/>
-          <p:nvPr/>
-        </p:nvSpPr>
-        <p:spPr>
-          <a:xfrm>
-            <a:off x="1028700" y="1028700"/>
-            <a:ext cx="7567947" cy="2308324"/>
-          </a:xfrm>
-          <a:prstGeom prst="rect">
-            <a:avLst/>
-          </a:prstGeom>
-        </p:spPr>
-        <p:txBody>
-          <a:bodyPr lIns="0" tIns="0" rIns="0" bIns="0" rtlCol="0" anchor="t">
-            <a:spAutoFit/>
-          </a:bodyPr>
-          <a:lstStyle/>
-          <a:p>
-            <a:pPr>
-              <a:lnSpc>
-                <a:spcPts val="9000"/>
-              </a:lnSpc>
-            </a:pPr>
-            <a:r>
-              <a:rPr lang="en-US" sz="7500" spc="375" dirty="0">
-                <a:solidFill>
-                  <a:srgbClr val="000000"/>
-                </a:solidFill>
-                <a:latin typeface="League Spartan Bold"/>
-              </a:rPr>
-              <a:t>FOLLOWING ALONG</a:t>
-            </a:r>
-          </a:p>
-        </p:txBody>
-      </p:sp>
-      <p:sp>
-        <p:nvSpPr>
-          <p:cNvPr id="10" name="TextBox 10"/>
-          <p:cNvSpPr txBox="1"/>
-          <p:nvPr/>
-        </p:nvSpPr>
-        <p:spPr>
-          <a:xfrm>
-            <a:off x="2112470" y="3337024"/>
-            <a:ext cx="12594129" cy="4985980"/>
-          </a:xfrm>
-          <a:prstGeom prst="rect">
-            <a:avLst/>
-          </a:prstGeom>
-        </p:spPr>
-        <p:txBody>
-          <a:bodyPr wrap="square" lIns="0" tIns="0" rIns="0" bIns="0" rtlCol="0" anchor="t">
-            <a:spAutoFit/>
-          </a:bodyPr>
-          <a:lstStyle/>
-          <a:p>
-            <a:r>
-              <a:rPr lang="en-US" sz="6600" spc="30" dirty="0">
-                <a:solidFill>
-                  <a:srgbClr val="000000"/>
-                </a:solidFill>
-                <a:latin typeface="Gidole"/>
-              </a:rPr>
-              <a:t>Download files are now Patreon ONLY:</a:t>
-            </a:r>
-          </a:p>
-          <a:p>
-            <a:r>
-              <a:rPr lang="en-US" sz="6600" spc="30" dirty="0">
-                <a:solidFill>
-                  <a:srgbClr val="000000"/>
-                </a:solidFill>
-                <a:latin typeface="Gidole"/>
-                <a:hlinkClick r:id="rId4"/>
-              </a:rPr>
-              <a:t>https://www.patreon.com/user?u=80541000</a:t>
-            </a:r>
-            <a:r>
-              <a:rPr lang="en-US" sz="6600" spc="30" dirty="0">
-                <a:solidFill>
-                  <a:srgbClr val="000000"/>
-                </a:solidFill>
-                <a:latin typeface="Gidole"/>
-              </a:rPr>
-              <a:t>  </a:t>
-            </a:r>
-            <a:br>
-              <a:rPr lang="en-US" sz="6600" spc="30" dirty="0">
-                <a:solidFill>
-                  <a:srgbClr val="000000"/>
-                </a:solidFill>
-                <a:latin typeface="Gidole"/>
-              </a:rPr>
-            </a:br>
-            <a:endParaRPr lang="en-US" sz="6000" spc="30" dirty="0">
-              <a:solidFill>
-                <a:srgbClr val="000000"/>
-              </a:solidFill>
-              <a:latin typeface="Gidole"/>
-            </a:endParaRPr>
-          </a:p>
-        </p:txBody>
-      </p:sp>
-    </p:spTree>
-    <p:extLst>
-      <p:ext uri="{BB962C8B-B14F-4D97-AF65-F5344CB8AC3E}">
-        <p14:creationId xmlns:p14="http://schemas.microsoft.com/office/powerpoint/2010/main" val="3926009965"/>
-      </p:ext>
-    </p:extLst>
-  </p:cSld>
-  <p:clrMapOvr>
-    <a:masterClrMapping/>
-  </p:clrMapOvr>
-</p:sld>
-</file>
-
-<file path=ppt/slides/slide5.xml><?xml version="1.0" encoding="utf-8"?>
-<p:sld xmlns:a="http://schemas.openxmlformats.org/drawingml/2006/main" xmlns:r="http://schemas.openxmlformats.org/officeDocument/2006/relationships" xmlns:p="http://schemas.openxmlformats.org/presentationml/2006/main">
-  <p:cSld>
-    <p:spTree>
-      <p:nvGrpSpPr>
-        <p:cNvPr id="1" name=""/>
-        <p:cNvGrpSpPr/>
-        <p:nvPr/>
-      </p:nvGrpSpPr>
-      <p:grpSpPr>
-        <a:xfrm>
-          <a:off x="0" y="0"/>
-          <a:ext cx="0" cy="0"/>
-          <a:chOff x="0" y="0"/>
-          <a:chExt cx="0" cy="0"/>
-        </a:xfrm>
-      </p:grpSpPr>
-      <p:pic>
-        <p:nvPicPr>
-          <p:cNvPr id="10" name="Picture 9"/>
-          <p:cNvPicPr>
-            <a:picLocks noChangeAspect="1"/>
-          </p:cNvPicPr>
-          <p:nvPr/>
-        </p:nvPicPr>
-        <p:blipFill rotWithShape="1">
-          <a:blip r:embed="rId3">
-            <a:extLst>
-              <a:ext uri="{28A0092B-C50C-407E-A947-70E740481C1C}">
-                <a14:useLocalDpi xmlns:a14="http://schemas.microsoft.com/office/drawing/2010/main" val="0"/>
-              </a:ext>
-            </a:extLst>
-          </a:blip>
-          <a:srcRect l="50728" t="56371"/>
-          <a:stretch/>
-        </p:blipFill>
-        <p:spPr>
-          <a:xfrm>
-            <a:off x="16341037" y="8055980"/>
-            <a:ext cx="1946963" cy="2231022"/>
-          </a:xfrm>
-          <a:prstGeom prst="rect">
-            <a:avLst/>
-          </a:prstGeom>
-        </p:spPr>
-      </p:pic>
-      <p:sp>
-        <p:nvSpPr>
-          <p:cNvPr id="11" name="TextBox 10"/>
-          <p:cNvSpPr txBox="1"/>
-          <p:nvPr/>
-        </p:nvSpPr>
-        <p:spPr>
-          <a:xfrm>
-            <a:off x="520861" y="170082"/>
-            <a:ext cx="14699906" cy="1477328"/>
-          </a:xfrm>
-          <a:prstGeom prst="rect">
-            <a:avLst/>
-          </a:prstGeom>
-          <a:noFill/>
-        </p:spPr>
-        <p:txBody>
-          <a:bodyPr wrap="square" rtlCol="0">
-            <a:spAutoFit/>
-          </a:bodyPr>
-          <a:lstStyle/>
-          <a:p>
-            <a:r>
-              <a:rPr lang="en-US" sz="9000" dirty="0">
-                <a:latin typeface="Aliens &amp; cows" panose="00000500000000000000" pitchFamily="2" charset="0"/>
-              </a:rPr>
-              <a:t>Terms of engagement</a:t>
-            </a:r>
-          </a:p>
-        </p:txBody>
-      </p:sp>
-      <p:sp>
-        <p:nvSpPr>
-          <p:cNvPr id="3" name="TextBox 2"/>
-          <p:cNvSpPr txBox="1"/>
-          <p:nvPr/>
-        </p:nvSpPr>
-        <p:spPr>
-          <a:xfrm>
-            <a:off x="694481" y="2048720"/>
-            <a:ext cx="14393120" cy="5786264"/>
-          </a:xfrm>
-          <a:prstGeom prst="rect">
-            <a:avLst/>
-          </a:prstGeom>
-          <a:noFill/>
-        </p:spPr>
-        <p:txBody>
-          <a:bodyPr wrap="square" rtlCol="0">
-            <a:spAutoFit/>
-          </a:bodyPr>
-          <a:lstStyle/>
-          <a:p>
-            <a:pPr marL="571500" indent="-571500">
-              <a:lnSpc>
-                <a:spcPts val="5625"/>
-              </a:lnSpc>
-              <a:buFont typeface="Arial" panose="020B0604020202020204" pitchFamily="34" charset="0"/>
-              <a:buChar char="•"/>
-            </a:pPr>
-            <a:r>
-              <a:rPr lang="en-US" sz="4200" spc="45" dirty="0">
-                <a:solidFill>
-                  <a:srgbClr val="000000"/>
-                </a:solidFill>
-                <a:latin typeface="Gidole"/>
-              </a:rPr>
-              <a:t>Participation is welcome via the chat/unmute</a:t>
-            </a:r>
-            <a:br>
-              <a:rPr lang="en-US" sz="4200" spc="45" dirty="0">
-                <a:solidFill>
-                  <a:srgbClr val="000000"/>
-                </a:solidFill>
-                <a:latin typeface="Gidole"/>
-              </a:rPr>
-            </a:br>
-            <a:endParaRPr lang="en-US" sz="4200" spc="45" dirty="0">
-              <a:solidFill>
-                <a:srgbClr val="000000"/>
-              </a:solidFill>
-              <a:latin typeface="Gidole"/>
-            </a:endParaRPr>
-          </a:p>
-          <a:p>
-            <a:pPr marL="685800" indent="-685800">
-              <a:lnSpc>
-                <a:spcPts val="5625"/>
-              </a:lnSpc>
-              <a:buFont typeface="Arial" panose="020B0604020202020204" pitchFamily="34" charset="0"/>
-              <a:buChar char="•"/>
-            </a:pPr>
-            <a:r>
-              <a:rPr lang="en-US" sz="4200" spc="45" dirty="0">
-                <a:solidFill>
-                  <a:srgbClr val="000000"/>
-                </a:solidFill>
-                <a:latin typeface="Gidole"/>
-              </a:rPr>
-              <a:t>Demos work best with 365 for PC</a:t>
-            </a:r>
-            <a:br>
-              <a:rPr lang="en-US" sz="4200" spc="45" dirty="0">
-                <a:solidFill>
-                  <a:srgbClr val="000000"/>
-                </a:solidFill>
-                <a:latin typeface="Gidole"/>
-              </a:rPr>
-            </a:br>
-            <a:endParaRPr lang="en-US" sz="4200" spc="45" dirty="0">
-              <a:solidFill>
-                <a:srgbClr val="000000"/>
-              </a:solidFill>
-              <a:latin typeface="Gidole"/>
-            </a:endParaRPr>
-          </a:p>
-          <a:p>
-            <a:pPr marL="685800" indent="-685800">
-              <a:lnSpc>
-                <a:spcPts val="5625"/>
-              </a:lnSpc>
-              <a:buFont typeface="Arial" panose="020B0604020202020204" pitchFamily="34" charset="0"/>
-              <a:buChar char="•"/>
-            </a:pPr>
-            <a:r>
-              <a:rPr lang="en-US" sz="4200" spc="45" dirty="0">
-                <a:solidFill>
-                  <a:srgbClr val="000000"/>
-                </a:solidFill>
-                <a:latin typeface="Gidole"/>
-              </a:rPr>
-              <a:t>Recording goes out later today, moves to </a:t>
-            </a:r>
-            <a:r>
-              <a:rPr lang="en-US" sz="4200" spc="45" dirty="0" err="1">
-                <a:solidFill>
-                  <a:srgbClr val="000000"/>
-                </a:solidFill>
-                <a:latin typeface="Gidole"/>
-              </a:rPr>
-              <a:t>Patreon</a:t>
-            </a:r>
-            <a:r>
-              <a:rPr lang="en-US" sz="4200" spc="45" dirty="0">
-                <a:solidFill>
-                  <a:srgbClr val="000000"/>
-                </a:solidFill>
-                <a:latin typeface="Gidole"/>
-              </a:rPr>
-              <a:t> after 2 days</a:t>
-            </a:r>
-            <a:br>
-              <a:rPr lang="en-US" sz="4200" spc="45" dirty="0">
-                <a:solidFill>
-                  <a:srgbClr val="000000"/>
-                </a:solidFill>
-                <a:latin typeface="Gidole"/>
-              </a:rPr>
-            </a:br>
-            <a:endParaRPr lang="en-US" sz="4200" spc="45" dirty="0">
-              <a:solidFill>
-                <a:srgbClr val="000000"/>
-              </a:solidFill>
-              <a:latin typeface="Gidole"/>
-            </a:endParaRPr>
-          </a:p>
-          <a:p>
-            <a:pPr marL="685800" indent="-685800">
-              <a:lnSpc>
-                <a:spcPts val="5625"/>
-              </a:lnSpc>
-              <a:buFont typeface="Arial" panose="020B0604020202020204" pitchFamily="34" charset="0"/>
-              <a:buChar char="•"/>
-            </a:pPr>
-            <a:r>
-              <a:rPr lang="en-US" sz="4200" spc="45" dirty="0">
-                <a:solidFill>
-                  <a:srgbClr val="000000"/>
-                </a:solidFill>
-                <a:latin typeface="Gidole"/>
-              </a:rPr>
-              <a:t>I will do my best to answer your questions</a:t>
-            </a:r>
-          </a:p>
-        </p:txBody>
-      </p:sp>
-    </p:spTree>
-    <p:extLst>
-      <p:ext uri="{BB962C8B-B14F-4D97-AF65-F5344CB8AC3E}">
-        <p14:creationId xmlns:p14="http://schemas.microsoft.com/office/powerpoint/2010/main" val="735416566"/>
-      </p:ext>
-    </p:extLst>
-  </p:cSld>
-  <p:clrMapOvr>
-    <a:masterClrMapping/>
-  </p:clrMapOvr>
-</p:sld>
-</file>
-
-<file path=ppt/slides/slide6.xml><?xml version="1.0" encoding="utf-8"?>
-<p:sld xmlns:a="http://schemas.openxmlformats.org/drawingml/2006/main" xmlns:r="http://schemas.openxmlformats.org/officeDocument/2006/relationships" xmlns:p="http://schemas.openxmlformats.org/presentationml/2006/main">
-  <p:cSld>
-    <p:spTree>
-      <p:nvGrpSpPr>
-        <p:cNvPr id="1" name=""/>
-        <p:cNvGrpSpPr/>
-        <p:nvPr/>
-      </p:nvGrpSpPr>
-      <p:grpSpPr>
-        <a:xfrm>
-          <a:off x="0" y="0"/>
-          <a:ext cx="0" cy="0"/>
-          <a:chOff x="0" y="0"/>
-          <a:chExt cx="0" cy="0"/>
-        </a:xfrm>
-      </p:grpSpPr>
       <p:pic>
         <p:nvPicPr>
           <p:cNvPr id="8" name="Picture 8"/>
@@ -6021,7 +4714,7 @@
 </p:sld>
 </file>
 
-<file path=ppt/slides/slide7.xml><?xml version="1.0" encoding="utf-8"?>
+<file path=ppt/slides/slide5.xml><?xml version="1.0" encoding="utf-8"?>
 <p:sld xmlns:a="http://schemas.openxmlformats.org/drawingml/2006/main" xmlns:r="http://schemas.openxmlformats.org/officeDocument/2006/relationships" xmlns:p="http://schemas.openxmlformats.org/presentationml/2006/main">
   <p:cSld>
     <p:spTree>
@@ -6226,7 +4919,7 @@
 </p:sld>
 </file>
 
-<file path=ppt/slides/slide8.xml><?xml version="1.0" encoding="utf-8"?>
+<file path=ppt/slides/slide6.xml><?xml version="1.0" encoding="utf-8"?>
 <p:sld xmlns:a="http://schemas.openxmlformats.org/drawingml/2006/main" xmlns:r="http://schemas.openxmlformats.org/officeDocument/2006/relationships" xmlns:p="http://schemas.openxmlformats.org/presentationml/2006/main">
   <p:cSld>
     <p:spTree>
@@ -6419,7 +5112,152 @@
 </p:sld>
 </file>
 
-<file path=ppt/slides/slide9.xml><?xml version="1.0" encoding="utf-8"?>
+<file path=ppt/slides/slide7.xml><?xml version="1.0" encoding="utf-8"?>
+<p:sld xmlns:a="http://schemas.openxmlformats.org/drawingml/2006/main" xmlns:r="http://schemas.openxmlformats.org/officeDocument/2006/relationships" xmlns:p="http://schemas.openxmlformats.org/presentationml/2006/main">
+  <p:cSld>
+    <p:spTree>
+      <p:nvGrpSpPr>
+        <p:cNvPr id="1" name="">
+          <a:extLst>
+            <a:ext uri="{FF2B5EF4-FFF2-40B4-BE49-F238E27FC236}">
+              <a16:creationId xmlns:a16="http://schemas.microsoft.com/office/drawing/2014/main" id="{D6055B2A-9912-9587-FB35-7FD46BDA5E3B}"/>
+            </a:ext>
+          </a:extLst>
+        </p:cNvPr>
+        <p:cNvGrpSpPr/>
+        <p:nvPr/>
+      </p:nvGrpSpPr>
+      <p:grpSpPr>
+        <a:xfrm>
+          <a:off x="0" y="0"/>
+          <a:ext cx="0" cy="0"/>
+          <a:chOff x="0" y="0"/>
+          <a:chExt cx="0" cy="0"/>
+        </a:xfrm>
+      </p:grpSpPr>
+      <p:pic>
+        <p:nvPicPr>
+          <p:cNvPr id="8" name="Picture 8">
+            <a:extLst>
+              <a:ext uri="{FF2B5EF4-FFF2-40B4-BE49-F238E27FC236}">
+                <a16:creationId xmlns:a16="http://schemas.microsoft.com/office/drawing/2014/main" id="{ACDE07D5-FEF6-4361-D7AD-85CA56872B0F}"/>
+              </a:ext>
+            </a:extLst>
+          </p:cNvPr>
+          <p:cNvPicPr>
+            <a:picLocks noChangeAspect="1"/>
+          </p:cNvPicPr>
+          <p:nvPr/>
+        </p:nvPicPr>
+        <p:blipFill>
+          <a:blip r:embed="rId3"/>
+          <a:srcRect/>
+          <a:stretch>
+            <a:fillRect/>
+          </a:stretch>
+        </p:blipFill>
+        <p:spPr>
+          <a:xfrm>
+            <a:off x="16459200" y="-99077"/>
+            <a:ext cx="2005783" cy="1470490"/>
+          </a:xfrm>
+          <a:prstGeom prst="rect">
+            <a:avLst/>
+          </a:prstGeom>
+        </p:spPr>
+      </p:pic>
+      <p:sp>
+        <p:nvSpPr>
+          <p:cNvPr id="9" name="TextBox 9">
+            <a:extLst>
+              <a:ext uri="{FF2B5EF4-FFF2-40B4-BE49-F238E27FC236}">
+                <a16:creationId xmlns:a16="http://schemas.microsoft.com/office/drawing/2014/main" id="{80001B17-65A9-4812-3FD0-5FC22D425DB1}"/>
+              </a:ext>
+            </a:extLst>
+          </p:cNvPr>
+          <p:cNvSpPr txBox="1"/>
+          <p:nvPr/>
+        </p:nvSpPr>
+        <p:spPr>
+          <a:xfrm>
+            <a:off x="838200" y="617118"/>
+            <a:ext cx="15631206" cy="1209818"/>
+          </a:xfrm>
+          <a:prstGeom prst="rect">
+            <a:avLst/>
+          </a:prstGeom>
+        </p:spPr>
+        <p:txBody>
+          <a:bodyPr wrap="square" lIns="0" tIns="0" rIns="0" bIns="0" rtlCol="0" anchor="t">
+            <a:spAutoFit/>
+          </a:bodyPr>
+          <a:lstStyle/>
+          <a:p>
+            <a:pPr>
+              <a:lnSpc>
+                <a:spcPts val="10080"/>
+              </a:lnSpc>
+              <a:spcBef>
+                <a:spcPct val="0"/>
+              </a:spcBef>
+            </a:pPr>
+            <a:r>
+              <a:rPr lang="en-US" sz="7200" dirty="0">
+                <a:solidFill>
+                  <a:srgbClr val="000000"/>
+                </a:solidFill>
+                <a:latin typeface="Open Sans Extra Bold"/>
+              </a:rPr>
+              <a:t>THANK YOU</a:t>
+            </a:r>
+          </a:p>
+        </p:txBody>
+      </p:sp>
+      <p:pic>
+        <p:nvPicPr>
+          <p:cNvPr id="5" name="Picture 6">
+            <a:extLst>
+              <a:ext uri="{FF2B5EF4-FFF2-40B4-BE49-F238E27FC236}">
+                <a16:creationId xmlns:a16="http://schemas.microsoft.com/office/drawing/2014/main" id="{F56F1046-0B71-C70C-5057-A715A6BD1EA0}"/>
+              </a:ext>
+            </a:extLst>
+          </p:cNvPr>
+          <p:cNvPicPr>
+            <a:picLocks noChangeAspect="1"/>
+          </p:cNvPicPr>
+          <p:nvPr/>
+        </p:nvPicPr>
+        <p:blipFill>
+          <a:blip r:embed="rId4"/>
+          <a:srcRect b="44190"/>
+          <a:stretch>
+            <a:fillRect/>
+          </a:stretch>
+        </p:blipFill>
+        <p:spPr>
+          <a:xfrm>
+            <a:off x="16095120" y="9265255"/>
+            <a:ext cx="2013122" cy="823680"/>
+          </a:xfrm>
+          <a:prstGeom prst="rect">
+            <a:avLst/>
+          </a:prstGeom>
+        </p:spPr>
+      </p:pic>
+    </p:spTree>
+    <p:extLst>
+      <p:ext uri="{BB962C8B-B14F-4D97-AF65-F5344CB8AC3E}">
+        <p14:creationId xmlns:p14="http://schemas.microsoft.com/office/powerpoint/2010/main" val="3819167802"/>
+      </p:ext>
+    </p:extLst>
+  </p:cSld>
+  <p:clrMapOvr>
+    <a:masterClrMapping/>
+  </p:clrMapOvr>
+</p:sld>
+</file>
+
+<file path=ppt/slides/slide8.xml><?xml version="1.0" encoding="utf-8"?>
 <p:sld xmlns:a="http://schemas.openxmlformats.org/drawingml/2006/main" xmlns:r="http://schemas.openxmlformats.org/officeDocument/2006/relationships" xmlns:p="http://schemas.openxmlformats.org/presentationml/2006/main">
   <p:cSld>
     <p:spTree>
